--- a/lecture-materials/Security/aws-security-best-practice/security-best-practice.pptx
+++ b/lecture-materials/Security/aws-security-best-practice/security-best-practice.pptx
@@ -12,14 +12,13 @@
     <p:sldId id="258" r:id="rId6"/>
     <p:sldId id="265" r:id="rId7"/>
     <p:sldId id="266" r:id="rId8"/>
-    <p:sldId id="267" r:id="rId9"/>
-    <p:sldId id="260" r:id="rId10"/>
-    <p:sldId id="259" r:id="rId11"/>
-    <p:sldId id="268" r:id="rId12"/>
-    <p:sldId id="269" r:id="rId13"/>
-    <p:sldId id="261" r:id="rId14"/>
-    <p:sldId id="270" r:id="rId15"/>
-    <p:sldId id="271" r:id="rId16"/>
+    <p:sldId id="260" r:id="rId9"/>
+    <p:sldId id="259" r:id="rId10"/>
+    <p:sldId id="268" r:id="rId11"/>
+    <p:sldId id="269" r:id="rId12"/>
+    <p:sldId id="261" r:id="rId13"/>
+    <p:sldId id="270" r:id="rId14"/>
+    <p:sldId id="271" r:id="rId15"/>
   </p:sldIdLst>
   <p:sldSz cx="12192000" cy="6858000"/>
   <p:notesSz cx="6858000" cy="9144000"/>
@@ -275,7 +274,7 @@
           <a:p>
             <a:fld id="{A29BE07B-ECCC-3D42-A667-FCA4E08F024B}" type="datetimeFigureOut">
               <a:rPr lang="en-CH" smtClean="0"/>
-              <a:t>26.12.2023</a:t>
+              <a:t>14.02.2024</a:t>
             </a:fld>
             <a:endParaRPr lang="en-CH"/>
           </a:p>
@@ -475,7 +474,7 @@
           <a:p>
             <a:fld id="{A29BE07B-ECCC-3D42-A667-FCA4E08F024B}" type="datetimeFigureOut">
               <a:rPr lang="en-CH" smtClean="0"/>
-              <a:t>26.12.2023</a:t>
+              <a:t>14.02.2024</a:t>
             </a:fld>
             <a:endParaRPr lang="en-CH"/>
           </a:p>
@@ -685,7 +684,7 @@
           <a:p>
             <a:fld id="{A29BE07B-ECCC-3D42-A667-FCA4E08F024B}" type="datetimeFigureOut">
               <a:rPr lang="en-CH" smtClean="0"/>
-              <a:t>26.12.2023</a:t>
+              <a:t>14.02.2024</a:t>
             </a:fld>
             <a:endParaRPr lang="en-CH"/>
           </a:p>
@@ -885,7 +884,7 @@
           <a:p>
             <a:fld id="{A29BE07B-ECCC-3D42-A667-FCA4E08F024B}" type="datetimeFigureOut">
               <a:rPr lang="en-CH" smtClean="0"/>
-              <a:t>26.12.2023</a:t>
+              <a:t>14.02.2024</a:t>
             </a:fld>
             <a:endParaRPr lang="en-CH"/>
           </a:p>
@@ -1161,7 +1160,7 @@
           <a:p>
             <a:fld id="{A29BE07B-ECCC-3D42-A667-FCA4E08F024B}" type="datetimeFigureOut">
               <a:rPr lang="en-CH" smtClean="0"/>
-              <a:t>26.12.2023</a:t>
+              <a:t>14.02.2024</a:t>
             </a:fld>
             <a:endParaRPr lang="en-CH"/>
           </a:p>
@@ -1429,7 +1428,7 @@
           <a:p>
             <a:fld id="{A29BE07B-ECCC-3D42-A667-FCA4E08F024B}" type="datetimeFigureOut">
               <a:rPr lang="en-CH" smtClean="0"/>
-              <a:t>26.12.2023</a:t>
+              <a:t>14.02.2024</a:t>
             </a:fld>
             <a:endParaRPr lang="en-CH"/>
           </a:p>
@@ -1844,7 +1843,7 @@
           <a:p>
             <a:fld id="{A29BE07B-ECCC-3D42-A667-FCA4E08F024B}" type="datetimeFigureOut">
               <a:rPr lang="en-CH" smtClean="0"/>
-              <a:t>26.12.2023</a:t>
+              <a:t>14.02.2024</a:t>
             </a:fld>
             <a:endParaRPr lang="en-CH"/>
           </a:p>
@@ -1986,7 +1985,7 @@
           <a:p>
             <a:fld id="{A29BE07B-ECCC-3D42-A667-FCA4E08F024B}" type="datetimeFigureOut">
               <a:rPr lang="en-CH" smtClean="0"/>
-              <a:t>26.12.2023</a:t>
+              <a:t>14.02.2024</a:t>
             </a:fld>
             <a:endParaRPr lang="en-CH"/>
           </a:p>
@@ -2099,7 +2098,7 @@
           <a:p>
             <a:fld id="{A29BE07B-ECCC-3D42-A667-FCA4E08F024B}" type="datetimeFigureOut">
               <a:rPr lang="en-CH" smtClean="0"/>
-              <a:t>26.12.2023</a:t>
+              <a:t>14.02.2024</a:t>
             </a:fld>
             <a:endParaRPr lang="en-CH"/>
           </a:p>
@@ -2412,7 +2411,7 @@
           <a:p>
             <a:fld id="{A29BE07B-ECCC-3D42-A667-FCA4E08F024B}" type="datetimeFigureOut">
               <a:rPr lang="en-CH" smtClean="0"/>
-              <a:t>26.12.2023</a:t>
+              <a:t>14.02.2024</a:t>
             </a:fld>
             <a:endParaRPr lang="en-CH"/>
           </a:p>
@@ -2701,7 +2700,7 @@
           <a:p>
             <a:fld id="{A29BE07B-ECCC-3D42-A667-FCA4E08F024B}" type="datetimeFigureOut">
               <a:rPr lang="en-CH" smtClean="0"/>
-              <a:t>26.12.2023</a:t>
+              <a:t>14.02.2024</a:t>
             </a:fld>
             <a:endParaRPr lang="en-CH"/>
           </a:p>
@@ -2944,7 +2943,7 @@
           <a:p>
             <a:fld id="{A29BE07B-ECCC-3D42-A667-FCA4E08F024B}" type="datetimeFigureOut">
               <a:rPr lang="en-CH" smtClean="0"/>
-              <a:t>26.12.2023</a:t>
+              <a:t>14.02.2024</a:t>
             </a:fld>
             <a:endParaRPr lang="en-CH"/>
           </a:p>
@@ -4208,12 +4207,186 @@
           <a:chExt cx="0" cy="0"/>
         </a:xfrm>
       </p:grpSpPr>
+      <p:sp>
+        <p:nvSpPr>
+          <p:cNvPr id="9" name="Rectangle 8">
+            <a:extLst>
+              <a:ext uri="{FF2B5EF4-FFF2-40B4-BE49-F238E27FC236}">
+                <a16:creationId xmlns:a16="http://schemas.microsoft.com/office/drawing/2014/main" id="{A4AC5506-6312-4701-8D3C-40187889A947}"/>
+              </a:ext>
+              <a:ext uri="{C183D7F6-B498-43B3-948B-1728B52AA6E4}">
+                <adec:decorative xmlns:adec="http://schemas.microsoft.com/office/drawing/2017/decorative" val="1"/>
+              </a:ext>
+            </a:extLst>
+          </p:cNvPr>
+          <p:cNvSpPr>
+            <a:spLocks noGrp="1" noRot="1" noChangeAspect="1" noMove="1" noResize="1" noEditPoints="1" noAdjustHandles="1" noChangeArrowheads="1" noChangeShapeType="1" noTextEdit="1"/>
+          </p:cNvSpPr>
+          <p:nvPr>
+            <p:extLst>
+              <p:ext uri="{386F3935-93C4-4BCD-93E2-E3B085C9AB24}">
+                <p16:designElem xmlns:p16="http://schemas.microsoft.com/office/powerpoint/2015/main" val="1"/>
+              </p:ext>
+            </p:extLst>
+          </p:nvPr>
+        </p:nvSpPr>
+        <p:spPr>
+          <a:xfrm>
+            <a:off x="0" y="5330432"/>
+            <a:ext cx="12192000" cy="736551"/>
+          </a:xfrm>
+          <a:prstGeom prst="rect">
+            <a:avLst/>
+          </a:prstGeom>
+          <a:solidFill>
+            <a:schemeClr val="tx1"/>
+          </a:solidFill>
+          <a:ln>
+            <a:noFill/>
+          </a:ln>
+        </p:spPr>
+        <p:style>
+          <a:lnRef idx="2">
+            <a:schemeClr val="accent1">
+              <a:shade val="50000"/>
+            </a:schemeClr>
+          </a:lnRef>
+          <a:fillRef idx="1">
+            <a:schemeClr val="accent1"/>
+          </a:fillRef>
+          <a:effectRef idx="0">
+            <a:schemeClr val="accent1"/>
+          </a:effectRef>
+          <a:fontRef idx="minor">
+            <a:schemeClr val="lt1"/>
+          </a:fontRef>
+        </p:style>
+        <p:txBody>
+          <a:bodyPr rtlCol="0" anchor="ctr"/>
+          <a:lstStyle/>
+          <a:p>
+            <a:pPr algn="ctr"/>
+            <a:endParaRPr lang="en-US"/>
+          </a:p>
+        </p:txBody>
+      </p:sp>
+      <p:sp>
+        <p:nvSpPr>
+          <p:cNvPr id="2" name="Title 1">
+            <a:extLst>
+              <a:ext uri="{FF2B5EF4-FFF2-40B4-BE49-F238E27FC236}">
+                <a16:creationId xmlns:a16="http://schemas.microsoft.com/office/drawing/2014/main" id="{7CFCA3F4-5399-608B-F942-FD97FDC3B238}"/>
+              </a:ext>
+            </a:extLst>
+          </p:cNvPr>
+          <p:cNvSpPr>
+            <a:spLocks noGrp="1"/>
+          </p:cNvSpPr>
+          <p:nvPr>
+            <p:ph type="title"/>
+          </p:nvPr>
+        </p:nvSpPr>
+        <p:spPr>
+          <a:xfrm>
+            <a:off x="556532" y="5322147"/>
+            <a:ext cx="11210925" cy="744836"/>
+          </a:xfrm>
+        </p:spPr>
+        <p:txBody>
+          <a:bodyPr vert="horz" lIns="91440" tIns="45720" rIns="91440" bIns="45720" rtlCol="0" anchor="ctr">
+            <a:normAutofit/>
+          </a:bodyPr>
+          <a:lstStyle/>
+          <a:p>
+            <a:pPr algn="ctr"/>
+            <a:r>
+              <a:rPr lang="en-US" sz="3200" kern="1200">
+                <a:solidFill>
+                  <a:schemeClr val="bg1"/>
+                </a:solidFill>
+                <a:latin typeface="+mj-lt"/>
+                <a:ea typeface="+mj-ea"/>
+                <a:cs typeface="+mj-cs"/>
+              </a:rPr>
+              <a:t>EC2 Instance Role – How it works</a:t>
+            </a:r>
+          </a:p>
+        </p:txBody>
+      </p:sp>
+      <p:pic>
+        <p:nvPicPr>
+          <p:cNvPr id="4" name="Picture 3" descr="A close-up of a computer screen&#10;&#10;Description automatically generated">
+            <a:extLst>
+              <a:ext uri="{FF2B5EF4-FFF2-40B4-BE49-F238E27FC236}">
+                <a16:creationId xmlns:a16="http://schemas.microsoft.com/office/drawing/2014/main" id="{20A76346-81A6-7993-C786-D24D1A684E40}"/>
+              </a:ext>
+            </a:extLst>
+          </p:cNvPr>
+          <p:cNvPicPr>
+            <a:picLocks noChangeAspect="1"/>
+          </p:cNvPicPr>
+          <p:nvPr/>
+        </p:nvPicPr>
+        <p:blipFill>
+          <a:blip r:embed="rId2"/>
+          <a:stretch>
+            <a:fillRect/>
+          </a:stretch>
+        </p:blipFill>
+        <p:spPr>
+          <a:xfrm>
+            <a:off x="643467" y="680563"/>
+            <a:ext cx="10905066" cy="3762247"/>
+          </a:xfrm>
+          <a:prstGeom prst="rect">
+            <a:avLst/>
+          </a:prstGeom>
+        </p:spPr>
+      </p:pic>
+    </p:spTree>
+    <p:extLst>
+      <p:ext uri="{BB962C8B-B14F-4D97-AF65-F5344CB8AC3E}">
+        <p14:creationId xmlns:p14="http://schemas.microsoft.com/office/powerpoint/2010/main" val="3628242205"/>
+      </p:ext>
+    </p:extLst>
+  </p:cSld>
+  <p:clrMapOvr>
+    <a:masterClrMapping/>
+  </p:clrMapOvr>
+</p:sld>
+</file>
+
+<file path=ppt/slides/slide11.xml><?xml version="1.0" encoding="utf-8"?>
+<p:sld xmlns:a="http://schemas.openxmlformats.org/drawingml/2006/main" xmlns:r="http://schemas.openxmlformats.org/officeDocument/2006/relationships" xmlns:p="http://schemas.openxmlformats.org/presentationml/2006/main">
+  <p:cSld>
+    <p:bg>
+      <p:bgPr>
+        <a:solidFill>
+          <a:schemeClr val="bg1"/>
+        </a:solidFill>
+        <a:effectLst/>
+      </p:bgPr>
+    </p:bg>
+    <p:spTree>
+      <p:nvGrpSpPr>
+        <p:cNvPr id="1" name=""/>
+        <p:cNvGrpSpPr/>
+        <p:nvPr/>
+      </p:nvGrpSpPr>
+      <p:grpSpPr>
+        <a:xfrm>
+          <a:off x="0" y="0"/>
+          <a:ext cx="0" cy="0"/>
+          <a:chOff x="0" y="0"/>
+          <a:chExt cx="0" cy="0"/>
+        </a:xfrm>
+      </p:grpSpPr>
       <p:sp useBgFill="1">
         <p:nvSpPr>
           <p:cNvPr id="8" name="Rectangle 7">
             <a:extLst>
               <a:ext uri="{FF2B5EF4-FFF2-40B4-BE49-F238E27FC236}">
-                <a16:creationId xmlns:a16="http://schemas.microsoft.com/office/drawing/2014/main" id="{100EDD19-6802-4EC3-95CE-CFFAB042CFD6}"/>
+                <a16:creationId xmlns:a16="http://schemas.microsoft.com/office/drawing/2014/main" id="{C05CBC3C-2E5A-4839-8B9B-2E5A6ADF0F58}"/>
               </a:ext>
               <a:ext uri="{C183D7F6-B498-43B3-948B-1728B52AA6E4}">
                 <adec:decorative xmlns:adec="http://schemas.microsoft.com/office/drawing/2017/decorative" val="1"/>
@@ -4270,10 +4443,633 @@
       </p:sp>
       <p:sp>
         <p:nvSpPr>
+          <p:cNvPr id="10" name="Freeform: Shape 9">
+            <a:extLst>
+              <a:ext uri="{FF2B5EF4-FFF2-40B4-BE49-F238E27FC236}">
+                <a16:creationId xmlns:a16="http://schemas.microsoft.com/office/drawing/2014/main" id="{827FF362-FC97-4BF5-949B-D4ADFA26E457}"/>
+              </a:ext>
+              <a:ext uri="{C183D7F6-B498-43B3-948B-1728B52AA6E4}">
+                <adec:decorative xmlns:adec="http://schemas.microsoft.com/office/drawing/2017/decorative" val="1"/>
+              </a:ext>
+            </a:extLst>
+          </p:cNvPr>
+          <p:cNvSpPr>
+            <a:spLocks noGrp="1" noRot="1" noChangeAspect="1" noMove="1" noResize="1" noEditPoints="1" noAdjustHandles="1" noChangeArrowheads="1" noChangeShapeType="1" noTextEdit="1"/>
+          </p:cNvSpPr>
+          <p:nvPr>
+            <p:extLst>
+              <p:ext uri="{386F3935-93C4-4BCD-93E2-E3B085C9AB24}">
+                <p16:designElem xmlns:p16="http://schemas.microsoft.com/office/powerpoint/2015/main" val="1"/>
+              </p:ext>
+            </p:extLst>
+          </p:nvPr>
+        </p:nvSpPr>
+        <p:spPr>
+          <a:xfrm rot="8888549">
+            <a:off x="-1059473" y="-1108988"/>
+            <a:ext cx="7179830" cy="5226565"/>
+          </a:xfrm>
+          <a:custGeom>
+            <a:avLst/>
+            <a:gdLst>
+              <a:gd name="connsiteX0" fmla="*/ 5217841 w 7179830"/>
+              <a:gd name="connsiteY0" fmla="*/ 464824 h 5226565"/>
+              <a:gd name="connsiteX1" fmla="*/ 5222490 w 7179830"/>
+              <a:gd name="connsiteY1" fmla="*/ 464289 h 5226565"/>
+              <a:gd name="connsiteX2" fmla="*/ 5216768 w 7179830"/>
+              <a:gd name="connsiteY2" fmla="*/ 463394 h 5226565"/>
+              <a:gd name="connsiteX3" fmla="*/ 5217841 w 7179830"/>
+              <a:gd name="connsiteY3" fmla="*/ 464824 h 5226565"/>
+              <a:gd name="connsiteX4" fmla="*/ 4945201 w 7179830"/>
+              <a:gd name="connsiteY4" fmla="*/ 5226565 h 5226565"/>
+              <a:gd name="connsiteX5" fmla="*/ 140449 w 7179830"/>
+              <a:gd name="connsiteY5" fmla="*/ 2240811 h 5226565"/>
+              <a:gd name="connsiteX6" fmla="*/ 232913 w 7179830"/>
+              <a:gd name="connsiteY6" fmla="*/ 2052782 h 5226565"/>
+              <a:gd name="connsiteX7" fmla="*/ 375714 w 7179830"/>
+              <a:gd name="connsiteY7" fmla="*/ 1803205 h 5226565"/>
+              <a:gd name="connsiteX8" fmla="*/ 1512756 w 7179830"/>
+              <a:gd name="connsiteY8" fmla="*/ 638448 h 5226565"/>
+              <a:gd name="connsiteX9" fmla="*/ 2902095 w 7179830"/>
+              <a:gd name="connsiteY9" fmla="*/ 120440 h 5226565"/>
+              <a:gd name="connsiteX10" fmla="*/ 2848453 w 7179830"/>
+              <a:gd name="connsiteY10" fmla="*/ 125626 h 5226565"/>
+              <a:gd name="connsiteX11" fmla="*/ 1837830 w 7179830"/>
+              <a:gd name="connsiteY11" fmla="*/ 426203 h 5226565"/>
+              <a:gd name="connsiteX12" fmla="*/ 214608 w 7179830"/>
+              <a:gd name="connsiteY12" fmla="*/ 1882239 h 5226565"/>
+              <a:gd name="connsiteX13" fmla="*/ 91317 w 7179830"/>
+              <a:gd name="connsiteY13" fmla="*/ 2123701 h 5226565"/>
+              <a:gd name="connsiteX14" fmla="*/ 64092 w 7179830"/>
+              <a:gd name="connsiteY14" fmla="*/ 2193361 h 5226565"/>
+              <a:gd name="connsiteX15" fmla="*/ 0 w 7179830"/>
+              <a:gd name="connsiteY15" fmla="*/ 2153533 h 5226565"/>
+              <a:gd name="connsiteX16" fmla="*/ 42834 w 7179830"/>
+              <a:gd name="connsiteY16" fmla="*/ 2047277 h 5226565"/>
+              <a:gd name="connsiteX17" fmla="*/ 923582 w 7179830"/>
+              <a:gd name="connsiteY17" fmla="*/ 915600 h 5226565"/>
+              <a:gd name="connsiteX18" fmla="*/ 2686989 w 7179830"/>
+              <a:gd name="connsiteY18" fmla="*/ 73950 h 5226565"/>
+              <a:gd name="connsiteX19" fmla="*/ 3059983 w 7179830"/>
+              <a:gd name="connsiteY19" fmla="*/ 20308 h 5226565"/>
+              <a:gd name="connsiteX20" fmla="*/ 3454435 w 7179830"/>
+              <a:gd name="connsiteY20" fmla="*/ 1176 h 5226565"/>
+              <a:gd name="connsiteX21" fmla="*/ 3923806 w 7179830"/>
+              <a:gd name="connsiteY21" fmla="*/ 49990 h 5226565"/>
+              <a:gd name="connsiteX22" fmla="*/ 5350874 w 7179830"/>
+              <a:gd name="connsiteY22" fmla="*/ 426917 h 5226565"/>
+              <a:gd name="connsiteX23" fmla="*/ 6607360 w 7179830"/>
+              <a:gd name="connsiteY23" fmla="*/ 1075097 h 5226565"/>
+              <a:gd name="connsiteX24" fmla="*/ 7110534 w 7179830"/>
+              <a:gd name="connsiteY24" fmla="*/ 1541421 h 5226565"/>
+              <a:gd name="connsiteX25" fmla="*/ 7179830 w 7179830"/>
+              <a:gd name="connsiteY25" fmla="*/ 1630542 h 5226565"/>
+              <a:gd name="connsiteX26" fmla="*/ 7136295 w 7179830"/>
+              <a:gd name="connsiteY26" fmla="*/ 1700600 h 5226565"/>
+              <a:gd name="connsiteX27" fmla="*/ 7131140 w 7179830"/>
+              <a:gd name="connsiteY27" fmla="*/ 1693045 h 5226565"/>
+              <a:gd name="connsiteX28" fmla="*/ 6577499 w 7179830"/>
+              <a:gd name="connsiteY28" fmla="*/ 1148230 h 5226565"/>
+              <a:gd name="connsiteX29" fmla="*/ 5494816 w 7179830"/>
+              <a:gd name="connsiteY29" fmla="*/ 563527 h 5226565"/>
+              <a:gd name="connsiteX30" fmla="*/ 5366967 w 7179830"/>
+              <a:gd name="connsiteY30" fmla="*/ 514176 h 5226565"/>
+              <a:gd name="connsiteX31" fmla="*/ 5244661 w 7179830"/>
+              <a:gd name="connsiteY31" fmla="*/ 470725 h 5226565"/>
+              <a:gd name="connsiteX32" fmla="*/ 5904822 w 7179830"/>
+              <a:gd name="connsiteY32" fmla="*/ 815468 h 5226565"/>
+              <a:gd name="connsiteX33" fmla="*/ 7015222 w 7179830"/>
+              <a:gd name="connsiteY33" fmla="*/ 1815185 h 5226565"/>
+              <a:gd name="connsiteX34" fmla="*/ 7040454 w 7179830"/>
+              <a:gd name="connsiteY34" fmla="*/ 1854830 h 5226565"/>
+            </a:gdLst>
+            <a:ahLst/>
+            <a:cxnLst>
+              <a:cxn ang="0">
+                <a:pos x="connsiteX0" y="connsiteY0"/>
+              </a:cxn>
+              <a:cxn ang="0">
+                <a:pos x="connsiteX1" y="connsiteY1"/>
+              </a:cxn>
+              <a:cxn ang="0">
+                <a:pos x="connsiteX2" y="connsiteY2"/>
+              </a:cxn>
+              <a:cxn ang="0">
+                <a:pos x="connsiteX3" y="connsiteY3"/>
+              </a:cxn>
+              <a:cxn ang="0">
+                <a:pos x="connsiteX4" y="connsiteY4"/>
+              </a:cxn>
+              <a:cxn ang="0">
+                <a:pos x="connsiteX5" y="connsiteY5"/>
+              </a:cxn>
+              <a:cxn ang="0">
+                <a:pos x="connsiteX6" y="connsiteY6"/>
+              </a:cxn>
+              <a:cxn ang="0">
+                <a:pos x="connsiteX7" y="connsiteY7"/>
+              </a:cxn>
+              <a:cxn ang="0">
+                <a:pos x="connsiteX8" y="connsiteY8"/>
+              </a:cxn>
+              <a:cxn ang="0">
+                <a:pos x="connsiteX9" y="connsiteY9"/>
+              </a:cxn>
+              <a:cxn ang="0">
+                <a:pos x="connsiteX10" y="connsiteY10"/>
+              </a:cxn>
+              <a:cxn ang="0">
+                <a:pos x="connsiteX11" y="connsiteY11"/>
+              </a:cxn>
+              <a:cxn ang="0">
+                <a:pos x="connsiteX12" y="connsiteY12"/>
+              </a:cxn>
+              <a:cxn ang="0">
+                <a:pos x="connsiteX13" y="connsiteY13"/>
+              </a:cxn>
+              <a:cxn ang="0">
+                <a:pos x="connsiteX14" y="connsiteY14"/>
+              </a:cxn>
+              <a:cxn ang="0">
+                <a:pos x="connsiteX15" y="connsiteY15"/>
+              </a:cxn>
+              <a:cxn ang="0">
+                <a:pos x="connsiteX16" y="connsiteY16"/>
+              </a:cxn>
+              <a:cxn ang="0">
+                <a:pos x="connsiteX17" y="connsiteY17"/>
+              </a:cxn>
+              <a:cxn ang="0">
+                <a:pos x="connsiteX18" y="connsiteY18"/>
+              </a:cxn>
+              <a:cxn ang="0">
+                <a:pos x="connsiteX19" y="connsiteY19"/>
+              </a:cxn>
+              <a:cxn ang="0">
+                <a:pos x="connsiteX20" y="connsiteY20"/>
+              </a:cxn>
+              <a:cxn ang="0">
+                <a:pos x="connsiteX21" y="connsiteY21"/>
+              </a:cxn>
+              <a:cxn ang="0">
+                <a:pos x="connsiteX22" y="connsiteY22"/>
+              </a:cxn>
+              <a:cxn ang="0">
+                <a:pos x="connsiteX23" y="connsiteY23"/>
+              </a:cxn>
+              <a:cxn ang="0">
+                <a:pos x="connsiteX24" y="connsiteY24"/>
+              </a:cxn>
+              <a:cxn ang="0">
+                <a:pos x="connsiteX25" y="connsiteY25"/>
+              </a:cxn>
+              <a:cxn ang="0">
+                <a:pos x="connsiteX26" y="connsiteY26"/>
+              </a:cxn>
+              <a:cxn ang="0">
+                <a:pos x="connsiteX27" y="connsiteY27"/>
+              </a:cxn>
+              <a:cxn ang="0">
+                <a:pos x="connsiteX28" y="connsiteY28"/>
+              </a:cxn>
+              <a:cxn ang="0">
+                <a:pos x="connsiteX29" y="connsiteY29"/>
+              </a:cxn>
+              <a:cxn ang="0">
+                <a:pos x="connsiteX30" y="connsiteY30"/>
+              </a:cxn>
+              <a:cxn ang="0">
+                <a:pos x="connsiteX31" y="connsiteY31"/>
+              </a:cxn>
+              <a:cxn ang="0">
+                <a:pos x="connsiteX32" y="connsiteY32"/>
+              </a:cxn>
+              <a:cxn ang="0">
+                <a:pos x="connsiteX33" y="connsiteY33"/>
+              </a:cxn>
+              <a:cxn ang="0">
+                <a:pos x="connsiteX34" y="connsiteY34"/>
+              </a:cxn>
+            </a:cxnLst>
+            <a:rect l="l" t="t" r="r" b="b"/>
+            <a:pathLst>
+              <a:path w="7179830" h="5226565">
+                <a:moveTo>
+                  <a:pt x="5217841" y="464824"/>
+                </a:moveTo>
+                <a:lnTo>
+                  <a:pt x="5222490" y="464289"/>
+                </a:lnTo>
+                <a:lnTo>
+                  <a:pt x="5216768" y="463394"/>
+                </a:lnTo>
+                <a:cubicBezTo>
+                  <a:pt x="5216768" y="463394"/>
+                  <a:pt x="5216768" y="464646"/>
+                  <a:pt x="5217841" y="464824"/>
+                </a:cubicBezTo>
+                <a:close/>
+                <a:moveTo>
+                  <a:pt x="4945201" y="5226565"/>
+                </a:moveTo>
+                <a:lnTo>
+                  <a:pt x="140449" y="2240811"/>
+                </a:lnTo>
+                <a:lnTo>
+                  <a:pt x="232913" y="2052782"/>
+                </a:lnTo>
+                <a:cubicBezTo>
+                  <a:pt x="277693" y="1968290"/>
+                  <a:pt x="325201" y="1885054"/>
+                  <a:pt x="375714" y="1803205"/>
+                </a:cubicBezTo>
+                <a:cubicBezTo>
+                  <a:pt x="667528" y="1329721"/>
+                  <a:pt x="1039629" y="935091"/>
+                  <a:pt x="1512756" y="638448"/>
+                </a:cubicBezTo>
+                <a:cubicBezTo>
+                  <a:pt x="1939392" y="370950"/>
+                  <a:pt x="2405724" y="210560"/>
+                  <a:pt x="2902095" y="120440"/>
+                </a:cubicBezTo>
+                <a:cubicBezTo>
+                  <a:pt x="2884054" y="118134"/>
+                  <a:pt x="2865727" y="119904"/>
+                  <a:pt x="2848453" y="125626"/>
+                </a:cubicBezTo>
+                <a:cubicBezTo>
+                  <a:pt x="2498704" y="175943"/>
+                  <a:pt x="2158217" y="277201"/>
+                  <a:pt x="1837830" y="426203"/>
+                </a:cubicBezTo>
+                <a:cubicBezTo>
+                  <a:pt x="1147094" y="744660"/>
+                  <a:pt x="593502" y="1217071"/>
+                  <a:pt x="214608" y="1882239"/>
+                </a:cubicBezTo>
+                <a:cubicBezTo>
+                  <a:pt x="169441" y="1960776"/>
+                  <a:pt x="128308" y="2041369"/>
+                  <a:pt x="91317" y="2123701"/>
+                </a:cubicBezTo>
+                <a:lnTo>
+                  <a:pt x="64092" y="2193361"/>
+                </a:lnTo>
+                <a:lnTo>
+                  <a:pt x="0" y="2153533"/>
+                </a:lnTo>
+                <a:lnTo>
+                  <a:pt x="42834" y="2047277"/>
+                </a:lnTo>
+                <a:cubicBezTo>
+                  <a:pt x="241792" y="1615775"/>
+                  <a:pt x="541268" y="1241591"/>
+                  <a:pt x="923582" y="915600"/>
+                </a:cubicBezTo>
+                <a:cubicBezTo>
+                  <a:pt x="1435331" y="478415"/>
+                  <a:pt x="2028081" y="205375"/>
+                  <a:pt x="2686989" y="73950"/>
+                </a:cubicBezTo>
+                <a:cubicBezTo>
+                  <a:pt x="2810367" y="49274"/>
+                  <a:pt x="2934818" y="32466"/>
+                  <a:pt x="3059983" y="20308"/>
+                </a:cubicBezTo>
+                <a:cubicBezTo>
+                  <a:pt x="3185149" y="8148"/>
+                  <a:pt x="3308706" y="2963"/>
+                  <a:pt x="3454435" y="1176"/>
+                </a:cubicBezTo>
+                <a:cubicBezTo>
+                  <a:pt x="3599805" y="-5977"/>
+                  <a:pt x="3761985" y="20665"/>
+                  <a:pt x="3923806" y="49990"/>
+                </a:cubicBezTo>
+                <a:cubicBezTo>
+                  <a:pt x="4409449" y="137964"/>
+                  <a:pt x="4886867" y="257228"/>
+                  <a:pt x="5350874" y="426917"/>
+                </a:cubicBezTo>
+                <a:cubicBezTo>
+                  <a:pt x="5797001" y="589991"/>
+                  <a:pt x="6223101" y="792223"/>
+                  <a:pt x="6607360" y="1075097"/>
+                </a:cubicBezTo>
+                <a:cubicBezTo>
+                  <a:pt x="6794438" y="1212779"/>
+                  <a:pt x="6965102" y="1365689"/>
+                  <a:pt x="7110534" y="1541421"/>
+                </a:cubicBezTo>
+                <a:lnTo>
+                  <a:pt x="7179830" y="1630542"/>
+                </a:lnTo>
+                <a:lnTo>
+                  <a:pt x="7136295" y="1700600"/>
+                </a:lnTo>
+                <a:lnTo>
+                  <a:pt x="7131140" y="1693045"/>
+                </a:lnTo>
+                <a:cubicBezTo>
+                  <a:pt x="6977874" y="1483026"/>
+                  <a:pt x="6788448" y="1305671"/>
+                  <a:pt x="6577499" y="1148230"/>
+                </a:cubicBezTo>
+                <a:cubicBezTo>
+                  <a:pt x="6245452" y="900401"/>
+                  <a:pt x="5878538" y="716408"/>
+                  <a:pt x="5494816" y="563527"/>
+                </a:cubicBezTo>
+                <a:cubicBezTo>
+                  <a:pt x="5452491" y="546487"/>
+                  <a:pt x="5409881" y="530036"/>
+                  <a:pt x="5366967" y="514176"/>
+                </a:cubicBezTo>
+                <a:cubicBezTo>
+                  <a:pt x="5326377" y="499156"/>
+                  <a:pt x="5285430" y="485210"/>
+                  <a:pt x="5244661" y="470725"/>
+                </a:cubicBezTo>
+                <a:cubicBezTo>
+                  <a:pt x="5471517" y="572127"/>
+                  <a:pt x="5691970" y="687263"/>
+                  <a:pt x="5904822" y="815468"/>
+                </a:cubicBezTo>
+                <a:cubicBezTo>
+                  <a:pt x="6336645" y="1080104"/>
+                  <a:pt x="6718758" y="1400351"/>
+                  <a:pt x="7015222" y="1815185"/>
+                </a:cubicBezTo>
+                <a:lnTo>
+                  <a:pt x="7040454" y="1854830"/>
+                </a:lnTo>
+                <a:close/>
+              </a:path>
+            </a:pathLst>
+          </a:custGeom>
+          <a:solidFill>
+            <a:schemeClr val="accent2"/>
+          </a:solidFill>
+          <a:ln w="12700" cap="flat">
+            <a:noFill/>
+            <a:prstDash val="solid"/>
+            <a:miter/>
+          </a:ln>
+        </p:spPr>
+        <p:txBody>
+          <a:bodyPr wrap="square" rtlCol="0" anchor="ctr">
+            <a:noAutofit/>
+          </a:bodyPr>
+          <a:lstStyle/>
+          <a:p>
+            <a:endParaRPr lang="en-US"/>
+          </a:p>
+        </p:txBody>
+      </p:sp>
+      <p:sp>
+        <p:nvSpPr>
           <p:cNvPr id="2" name="Title 1">
             <a:extLst>
               <a:ext uri="{FF2B5EF4-FFF2-40B4-BE49-F238E27FC236}">
-                <a16:creationId xmlns:a16="http://schemas.microsoft.com/office/drawing/2014/main" id="{41F401C1-CBD7-4D8E-F2F7-EE29E31FFD0C}"/>
+                <a16:creationId xmlns:a16="http://schemas.microsoft.com/office/drawing/2014/main" id="{3CA99258-D105-91EC-EBAF-288F972D1446}"/>
+              </a:ext>
+            </a:extLst>
+          </p:cNvPr>
+          <p:cNvSpPr>
+            <a:spLocks noGrp="1"/>
+          </p:cNvSpPr>
+          <p:nvPr>
+            <p:ph type="title"/>
+          </p:nvPr>
+        </p:nvSpPr>
+        <p:spPr>
+          <a:xfrm>
+            <a:off x="841246" y="673770"/>
+            <a:ext cx="3644489" cy="2414488"/>
+          </a:xfrm>
+        </p:spPr>
+        <p:txBody>
+          <a:bodyPr anchor="t">
+            <a:normAutofit/>
+          </a:bodyPr>
+          <a:lstStyle/>
+          <a:p>
+            <a:r>
+              <a:rPr lang="en-GB" sz="4200">
+                <a:solidFill>
+                  <a:srgbClr val="FFFFFF"/>
+                </a:solidFill>
+              </a:rPr>
+              <a:t>EC2 Instance Metadata – Restrict Access</a:t>
+            </a:r>
+            <a:endParaRPr lang="en-CH" sz="4200">
+              <a:solidFill>
+                <a:srgbClr val="FFFFFF"/>
+              </a:solidFill>
+            </a:endParaRPr>
+          </a:p>
+        </p:txBody>
+      </p:sp>
+      <p:sp>
+        <p:nvSpPr>
+          <p:cNvPr id="3" name="Content Placeholder 2">
+            <a:extLst>
+              <a:ext uri="{FF2B5EF4-FFF2-40B4-BE49-F238E27FC236}">
+                <a16:creationId xmlns:a16="http://schemas.microsoft.com/office/drawing/2014/main" id="{2EBF0E03-EA38-2C3E-B453-A4A3DD40B5E5}"/>
+              </a:ext>
+            </a:extLst>
+          </p:cNvPr>
+          <p:cNvSpPr>
+            <a:spLocks noGrp="1"/>
+          </p:cNvSpPr>
+          <p:nvPr>
+            <p:ph idx="1"/>
+          </p:nvPr>
+        </p:nvSpPr>
+        <p:spPr>
+          <a:xfrm>
+            <a:off x="6095999" y="882315"/>
+            <a:ext cx="5254754" cy="5294647"/>
+          </a:xfrm>
+        </p:spPr>
+        <p:txBody>
+          <a:bodyPr>
+            <a:normAutofit/>
+          </a:bodyPr>
+          <a:lstStyle/>
+          <a:p>
+            <a:r>
+              <a:rPr lang="en-GB" sz="2200" dirty="0"/>
+              <a:t>You can use local firewall rules to disable access for some or all processes </a:t>
+            </a:r>
+          </a:p>
+          <a:p>
+            <a:pPr lvl="2"/>
+            <a:r>
+              <a:rPr lang="en-GB" sz="1200" dirty="0"/>
+              <a:t>$ </a:t>
+            </a:r>
+            <a:r>
+              <a:rPr lang="en-GB" sz="1200" dirty="0" err="1"/>
+              <a:t>sudo</a:t>
+            </a:r>
+            <a:r>
+              <a:rPr lang="en-GB" sz="1200" dirty="0"/>
+              <a:t> iptables --append OUTPUT --proto </a:t>
+            </a:r>
+            <a:r>
+              <a:rPr lang="en-GB" sz="1200" dirty="0" err="1"/>
+              <a:t>tcp</a:t>
+            </a:r>
+            <a:r>
+              <a:rPr lang="en-GB" sz="1200" dirty="0"/>
+              <a:t> --destination 169.254.169.254 \ --match owner --</a:t>
+            </a:r>
+            <a:r>
+              <a:rPr lang="en-GB" sz="1200" dirty="0" err="1"/>
+              <a:t>uid</a:t>
+            </a:r>
+            <a:r>
+              <a:rPr lang="en-GB" sz="1200" dirty="0"/>
+              <a:t>-owner </a:t>
+            </a:r>
+            <a:r>
+              <a:rPr lang="en-GB" sz="1200" dirty="0" err="1"/>
+              <a:t>apache</a:t>
+            </a:r>
+            <a:r>
+              <a:rPr lang="en-GB" sz="1200" dirty="0"/>
+              <a:t> --jump REJECT</a:t>
+            </a:r>
+          </a:p>
+          <a:p>
+            <a:r>
+              <a:rPr lang="en-GB" sz="2200" dirty="0"/>
+              <a:t>iptables for Linux, PF or IPFW for FreeBSD</a:t>
+            </a:r>
+          </a:p>
+          <a:p>
+            <a:r>
+              <a:rPr lang="en-GB" sz="2200" dirty="0"/>
+              <a:t>Turn off access using AWS Console or AWS CLI (</a:t>
+            </a:r>
+            <a:r>
+              <a:rPr lang="en-GB" sz="2200" dirty="0" err="1"/>
+              <a:t>HttpEndpoint</a:t>
+            </a:r>
+            <a:r>
+              <a:rPr lang="en-GB" sz="2200" dirty="0"/>
+              <a:t>=disabled)</a:t>
+            </a:r>
+            <a:endParaRPr lang="en-CH" sz="2200" dirty="0"/>
+          </a:p>
+        </p:txBody>
+      </p:sp>
+    </p:spTree>
+    <p:extLst>
+      <p:ext uri="{BB962C8B-B14F-4D97-AF65-F5344CB8AC3E}">
+        <p14:creationId xmlns:p14="http://schemas.microsoft.com/office/powerpoint/2010/main" val="738341165"/>
+      </p:ext>
+    </p:extLst>
+  </p:cSld>
+  <p:clrMapOvr>
+    <a:masterClrMapping/>
+  </p:clrMapOvr>
+</p:sld>
+</file>
+
+<file path=ppt/slides/slide12.xml><?xml version="1.0" encoding="utf-8"?>
+<p:sld xmlns:a="http://schemas.openxmlformats.org/drawingml/2006/main" xmlns:r="http://schemas.openxmlformats.org/officeDocument/2006/relationships" xmlns:p="http://schemas.openxmlformats.org/presentationml/2006/main">
+  <p:cSld>
+    <p:bg>
+      <p:bgPr>
+        <a:solidFill>
+          <a:schemeClr val="bg1"/>
+        </a:solidFill>
+        <a:effectLst/>
+      </p:bgPr>
+    </p:bg>
+    <p:spTree>
+      <p:nvGrpSpPr>
+        <p:cNvPr id="1" name=""/>
+        <p:cNvGrpSpPr/>
+        <p:nvPr/>
+      </p:nvGrpSpPr>
+      <p:grpSpPr>
+        <a:xfrm>
+          <a:off x="0" y="0"/>
+          <a:ext cx="0" cy="0"/>
+          <a:chOff x="0" y="0"/>
+          <a:chExt cx="0" cy="0"/>
+        </a:xfrm>
+      </p:grpSpPr>
+      <p:sp useBgFill="1">
+        <p:nvSpPr>
+          <p:cNvPr id="8" name="Rectangle 7">
+            <a:extLst>
+              <a:ext uri="{FF2B5EF4-FFF2-40B4-BE49-F238E27FC236}">
+                <a16:creationId xmlns:a16="http://schemas.microsoft.com/office/drawing/2014/main" id="{100EDD19-6802-4EC3-95CE-CFFAB042CFD6}"/>
+              </a:ext>
+              <a:ext uri="{C183D7F6-B498-43B3-948B-1728B52AA6E4}">
+                <adec:decorative xmlns:adec="http://schemas.microsoft.com/office/drawing/2017/decorative" val="1"/>
+              </a:ext>
+            </a:extLst>
+          </p:cNvPr>
+          <p:cNvSpPr>
+            <a:spLocks noGrp="1" noRot="1" noChangeAspect="1" noMove="1" noResize="1" noEditPoints="1" noAdjustHandles="1" noChangeArrowheads="1" noChangeShapeType="1" noTextEdit="1"/>
+          </p:cNvSpPr>
+          <p:nvPr>
+            <p:extLst>
+              <p:ext uri="{386F3935-93C4-4BCD-93E2-E3B085C9AB24}">
+                <p16:designElem xmlns:p16="http://schemas.microsoft.com/office/powerpoint/2015/main" val="1"/>
+              </p:ext>
+            </p:extLst>
+          </p:nvPr>
+        </p:nvSpPr>
+        <p:spPr>
+          <a:xfrm>
+            <a:off x="0" y="0"/>
+            <a:ext cx="12188952" cy="6858000"/>
+          </a:xfrm>
+          <a:prstGeom prst="rect">
+            <a:avLst/>
+          </a:prstGeom>
+          <a:ln>
+            <a:noFill/>
+          </a:ln>
+        </p:spPr>
+        <p:style>
+          <a:lnRef idx="2">
+            <a:schemeClr val="accent1">
+              <a:shade val="50000"/>
+            </a:schemeClr>
+          </a:lnRef>
+          <a:fillRef idx="1">
+            <a:schemeClr val="accent1"/>
+          </a:fillRef>
+          <a:effectRef idx="0">
+            <a:schemeClr val="accent1"/>
+          </a:effectRef>
+          <a:fontRef idx="minor">
+            <a:schemeClr val="lt1"/>
+          </a:fontRef>
+        </p:style>
+        <p:txBody>
+          <a:bodyPr rtlCol="0" anchor="ctr"/>
+          <a:lstStyle/>
+          <a:p>
+            <a:pPr algn="ctr"/>
+            <a:endParaRPr lang="en-US"/>
+          </a:p>
+        </p:txBody>
+      </p:sp>
+      <p:sp>
+        <p:nvSpPr>
+          <p:cNvPr id="2" name="Title 1">
+            <a:extLst>
+              <a:ext uri="{FF2B5EF4-FFF2-40B4-BE49-F238E27FC236}">
+                <a16:creationId xmlns:a16="http://schemas.microsoft.com/office/drawing/2014/main" id="{E4C532F1-48D4-8FAE-CA79-5EF603C1A284}"/>
               </a:ext>
             </a:extLst>
           </p:cNvPr>
@@ -4297,8 +5093,8 @@
           <a:lstStyle/>
           <a:p>
             <a:r>
-              <a:rPr lang="en-CH" sz="5400"/>
-              <a:t>Ec2 Instance Metadata - IMDS</a:t>
+              <a:rPr lang="en-CH" sz="4600"/>
+              <a:t>Ec2 Instance Metadata – IMDSv1 vs IMDSv2</a:t>
             </a:r>
           </a:p>
         </p:txBody>
@@ -4946,7 +5742,7 @@
           <p:cNvPr id="3" name="Content Placeholder 2">
             <a:extLst>
               <a:ext uri="{FF2B5EF4-FFF2-40B4-BE49-F238E27FC236}">
-                <a16:creationId xmlns:a16="http://schemas.microsoft.com/office/drawing/2014/main" id="{84AC8A7E-7615-7C32-8343-550DBA724594}"/>
+                <a16:creationId xmlns:a16="http://schemas.microsoft.com/office/drawing/2014/main" id="{13FB1327-FD56-572B-62FE-361B261B3748}"/>
               </a:ext>
             </a:extLst>
           </p:cNvPr>
@@ -4970,96 +5766,76 @@
           <a:lstStyle/>
           <a:p>
             <a:r>
-              <a:rPr lang="en-GB" sz="1500"/>
-              <a:t>Information about an EC2 instance (e.g., hostname, instance type, network settings, …) </a:t>
-            </a:r>
-          </a:p>
-          <a:p>
-            <a:r>
-              <a:rPr lang="en-GB" sz="1500"/>
-              <a:t>Can be accessed from within the EC2 instance itself by making a request to the EC2 metadata service endpoint http://169.254.169.254/latest/meta-data  </a:t>
-            </a:r>
-          </a:p>
-          <a:p>
-            <a:r>
-              <a:rPr lang="en-GB" sz="1500"/>
-              <a:t>Can be accessed using EC2 API or CLI tools (e.g., curl or wget) </a:t>
-            </a:r>
-          </a:p>
-          <a:p>
-            <a:r>
-              <a:rPr lang="en-GB" sz="1500"/>
-              <a:t>Metadata is stored in key-value pairs</a:t>
-            </a:r>
-          </a:p>
-          <a:p>
-            <a:r>
-              <a:rPr lang="en-GB" sz="1500"/>
-              <a:t>Useful for automating tasks such as setting up an instance's hostname, configuring networking, or installing software</a:t>
-            </a:r>
-          </a:p>
-          <a:p>
-            <a:r>
-              <a:rPr lang="en-GB" sz="1500"/>
-              <a:t>Examples:</a:t>
+              <a:rPr lang="en-GB" sz="2200" dirty="0"/>
+              <a:t>IMDSv1 is accessing http://169.254.169.254/latest/meta-data directly </a:t>
+            </a:r>
+          </a:p>
+          <a:p>
+            <a:r>
+              <a:rPr lang="en-GB" sz="2200" dirty="0"/>
+              <a:t>IMDSv2 is more secure and is done in two steps: </a:t>
             </a:r>
           </a:p>
           <a:p>
             <a:pPr lvl="1"/>
             <a:r>
-              <a:rPr lang="en-GB" sz="1500"/>
-              <a:t>ami-id, block-device-mapping/, instance-id, instance-type, network/ </a:t>
-            </a:r>
+              <a:rPr lang="en-GB" sz="2200" dirty="0"/>
+              <a:t>1. Get Session Token (limited validity) – using headers &amp; PUT </a:t>
+            </a:r>
+          </a:p>
+          <a:p>
+            <a:pPr lvl="2"/>
+            <a:r>
+              <a:rPr lang="en-GB" sz="2200" dirty="0"/>
+              <a:t>$ TOKEN=`curl -X PUT "http://169.254.169.254/latest/</a:t>
+            </a:r>
+            <a:r>
+              <a:rPr lang="en-GB" sz="2200" dirty="0" err="1"/>
+              <a:t>api</a:t>
+            </a:r>
+            <a:r>
+              <a:rPr lang="en-GB" sz="2200" dirty="0"/>
+              <a:t>/token" \ -H "X-aws-ec2-metadata-token-ttl-seconds: 21600"`</a:t>
+            </a:r>
+          </a:p>
+          <a:p>
+            <a:pPr lvl="2"/>
+            <a:endParaRPr lang="en-GB" sz="2200" dirty="0"/>
           </a:p>
           <a:p>
             <a:pPr lvl="1"/>
             <a:r>
-              <a:rPr lang="en-GB" sz="1500"/>
-              <a:t>hostname, local-hostname, local-ipv4, public-hostname, public-ipv4 </a:t>
+              <a:rPr lang="en-GB" sz="2200" dirty="0"/>
+              <a:t>2. Use Session Token in IMDSv2 calls – using headers</a:t>
+            </a:r>
+          </a:p>
+          <a:p>
+            <a:pPr lvl="2"/>
+            <a:r>
+              <a:rPr lang="en-GB" sz="2200" dirty="0"/>
+              <a:t>$ curl </a:t>
+            </a:r>
+            <a:r>
+              <a:rPr lang="en-GB" sz="2200" dirty="0">
+                <a:hlinkClick r:id="rId2"/>
+              </a:rPr>
+              <a:t>http://169.254.169.254/latest/meta-data/profile \</a:t>
+            </a:r>
+            <a:r>
+              <a:rPr lang="en-GB" sz="2200" dirty="0"/>
+              <a:t> -H "X-aws-ec2-metadata-token: $TOKEN"</a:t>
             </a:r>
           </a:p>
           <a:p>
             <a:pPr lvl="1"/>
-            <a:r>
-              <a:rPr lang="en-GB" sz="1500"/>
-              <a:t>Iam – InstanceProfileArn, InstanceId </a:t>
-            </a:r>
-          </a:p>
-          <a:p>
-            <a:pPr lvl="1"/>
-            <a:r>
-              <a:rPr lang="en-GB" sz="1500"/>
-              <a:t>iam/security-credentials/role-name – temporary credentials for the role attached to your instance </a:t>
-            </a:r>
-          </a:p>
-          <a:p>
-            <a:pPr lvl="1"/>
-            <a:r>
-              <a:rPr lang="en-GB" sz="1500"/>
-              <a:t>placement/ – launch Region, launch AZ, placement group name…  </a:t>
-            </a:r>
-          </a:p>
-          <a:p>
-            <a:pPr lvl="1"/>
-            <a:r>
-              <a:rPr lang="en-GB" sz="1500"/>
-              <a:t>security-groups – names of security groups </a:t>
-            </a:r>
-          </a:p>
-          <a:p>
-            <a:pPr lvl="1"/>
-            <a:r>
-              <a:rPr lang="en-GB" sz="1500"/>
-              <a:t>tags/instance – tags attached to the instance</a:t>
-            </a:r>
-            <a:endParaRPr lang="en-CH" sz="1500"/>
+            <a:endParaRPr lang="en-CH" sz="2200" dirty="0"/>
           </a:p>
         </p:txBody>
       </p:sp>
     </p:spTree>
     <p:extLst>
       <p:ext uri="{BB962C8B-B14F-4D97-AF65-F5344CB8AC3E}">
-        <p14:creationId xmlns:p14="http://schemas.microsoft.com/office/powerpoint/2010/main" val="1534811099"/>
+        <p14:creationId xmlns:p14="http://schemas.microsoft.com/office/powerpoint/2010/main" val="2344691587"/>
       </p:ext>
     </p:extLst>
   </p:cSld>
@@ -5069,181 +5845,7 @@
 </p:sld>
 </file>
 
-<file path=ppt/slides/slide11.xml><?xml version="1.0" encoding="utf-8"?>
-<p:sld xmlns:a="http://schemas.openxmlformats.org/drawingml/2006/main" xmlns:r="http://schemas.openxmlformats.org/officeDocument/2006/relationships" xmlns:p="http://schemas.openxmlformats.org/presentationml/2006/main">
-  <p:cSld>
-    <p:bg>
-      <p:bgPr>
-        <a:solidFill>
-          <a:schemeClr val="bg1"/>
-        </a:solidFill>
-        <a:effectLst/>
-      </p:bgPr>
-    </p:bg>
-    <p:spTree>
-      <p:nvGrpSpPr>
-        <p:cNvPr id="1" name=""/>
-        <p:cNvGrpSpPr/>
-        <p:nvPr/>
-      </p:nvGrpSpPr>
-      <p:grpSpPr>
-        <a:xfrm>
-          <a:off x="0" y="0"/>
-          <a:ext cx="0" cy="0"/>
-          <a:chOff x="0" y="0"/>
-          <a:chExt cx="0" cy="0"/>
-        </a:xfrm>
-      </p:grpSpPr>
-      <p:sp>
-        <p:nvSpPr>
-          <p:cNvPr id="9" name="Rectangle 8">
-            <a:extLst>
-              <a:ext uri="{FF2B5EF4-FFF2-40B4-BE49-F238E27FC236}">
-                <a16:creationId xmlns:a16="http://schemas.microsoft.com/office/drawing/2014/main" id="{A4AC5506-6312-4701-8D3C-40187889A947}"/>
-              </a:ext>
-              <a:ext uri="{C183D7F6-B498-43B3-948B-1728B52AA6E4}">
-                <adec:decorative xmlns:adec="http://schemas.microsoft.com/office/drawing/2017/decorative" val="1"/>
-              </a:ext>
-            </a:extLst>
-          </p:cNvPr>
-          <p:cNvSpPr>
-            <a:spLocks noGrp="1" noRot="1" noChangeAspect="1" noMove="1" noResize="1" noEditPoints="1" noAdjustHandles="1" noChangeArrowheads="1" noChangeShapeType="1" noTextEdit="1"/>
-          </p:cNvSpPr>
-          <p:nvPr>
-            <p:extLst>
-              <p:ext uri="{386F3935-93C4-4BCD-93E2-E3B085C9AB24}">
-                <p16:designElem xmlns:p16="http://schemas.microsoft.com/office/powerpoint/2015/main" val="1"/>
-              </p:ext>
-            </p:extLst>
-          </p:nvPr>
-        </p:nvSpPr>
-        <p:spPr>
-          <a:xfrm>
-            <a:off x="0" y="5330432"/>
-            <a:ext cx="12192000" cy="736551"/>
-          </a:xfrm>
-          <a:prstGeom prst="rect">
-            <a:avLst/>
-          </a:prstGeom>
-          <a:solidFill>
-            <a:schemeClr val="tx1"/>
-          </a:solidFill>
-          <a:ln>
-            <a:noFill/>
-          </a:ln>
-        </p:spPr>
-        <p:style>
-          <a:lnRef idx="2">
-            <a:schemeClr val="accent1">
-              <a:shade val="50000"/>
-            </a:schemeClr>
-          </a:lnRef>
-          <a:fillRef idx="1">
-            <a:schemeClr val="accent1"/>
-          </a:fillRef>
-          <a:effectRef idx="0">
-            <a:schemeClr val="accent1"/>
-          </a:effectRef>
-          <a:fontRef idx="minor">
-            <a:schemeClr val="lt1"/>
-          </a:fontRef>
-        </p:style>
-        <p:txBody>
-          <a:bodyPr rtlCol="0" anchor="ctr"/>
-          <a:lstStyle/>
-          <a:p>
-            <a:pPr algn="ctr"/>
-            <a:endParaRPr lang="en-US"/>
-          </a:p>
-        </p:txBody>
-      </p:sp>
-      <p:sp>
-        <p:nvSpPr>
-          <p:cNvPr id="2" name="Title 1">
-            <a:extLst>
-              <a:ext uri="{FF2B5EF4-FFF2-40B4-BE49-F238E27FC236}">
-                <a16:creationId xmlns:a16="http://schemas.microsoft.com/office/drawing/2014/main" id="{7CFCA3F4-5399-608B-F942-FD97FDC3B238}"/>
-              </a:ext>
-            </a:extLst>
-          </p:cNvPr>
-          <p:cNvSpPr>
-            <a:spLocks noGrp="1"/>
-          </p:cNvSpPr>
-          <p:nvPr>
-            <p:ph type="title"/>
-          </p:nvPr>
-        </p:nvSpPr>
-        <p:spPr>
-          <a:xfrm>
-            <a:off x="556532" y="5322147"/>
-            <a:ext cx="11210925" cy="744836"/>
-          </a:xfrm>
-        </p:spPr>
-        <p:txBody>
-          <a:bodyPr vert="horz" lIns="91440" tIns="45720" rIns="91440" bIns="45720" rtlCol="0" anchor="ctr">
-            <a:normAutofit/>
-          </a:bodyPr>
-          <a:lstStyle/>
-          <a:p>
-            <a:pPr algn="ctr"/>
-            <a:r>
-              <a:rPr lang="en-US" sz="3200" kern="1200">
-                <a:solidFill>
-                  <a:schemeClr val="bg1"/>
-                </a:solidFill>
-                <a:latin typeface="+mj-lt"/>
-                <a:ea typeface="+mj-ea"/>
-                <a:cs typeface="+mj-cs"/>
-              </a:rPr>
-              <a:t>EC2 Instance Role – How it works</a:t>
-            </a:r>
-          </a:p>
-        </p:txBody>
-      </p:sp>
-      <p:pic>
-        <p:nvPicPr>
-          <p:cNvPr id="4" name="Picture 3" descr="A close-up of a computer screen&#10;&#10;Description automatically generated">
-            <a:extLst>
-              <a:ext uri="{FF2B5EF4-FFF2-40B4-BE49-F238E27FC236}">
-                <a16:creationId xmlns:a16="http://schemas.microsoft.com/office/drawing/2014/main" id="{20A76346-81A6-7993-C786-D24D1A684E40}"/>
-              </a:ext>
-            </a:extLst>
-          </p:cNvPr>
-          <p:cNvPicPr>
-            <a:picLocks noChangeAspect="1"/>
-          </p:cNvPicPr>
-          <p:nvPr/>
-        </p:nvPicPr>
-        <p:blipFill>
-          <a:blip r:embed="rId2"/>
-          <a:stretch>
-            <a:fillRect/>
-          </a:stretch>
-        </p:blipFill>
-        <p:spPr>
-          <a:xfrm>
-            <a:off x="643467" y="680563"/>
-            <a:ext cx="10905066" cy="3762247"/>
-          </a:xfrm>
-          <a:prstGeom prst="rect">
-            <a:avLst/>
-          </a:prstGeom>
-        </p:spPr>
-      </p:pic>
-    </p:spTree>
-    <p:extLst>
-      <p:ext uri="{BB962C8B-B14F-4D97-AF65-F5344CB8AC3E}">
-        <p14:creationId xmlns:p14="http://schemas.microsoft.com/office/powerpoint/2010/main" val="3628242205"/>
-      </p:ext>
-    </p:extLst>
-  </p:cSld>
-  <p:clrMapOvr>
-    <a:masterClrMapping/>
-  </p:clrMapOvr>
-</p:sld>
-</file>
-
-<file path=ppt/slides/slide12.xml><?xml version="1.0" encoding="utf-8"?>
+<file path=ppt/slides/slide13.xml><?xml version="1.0" encoding="utf-8"?>
 <p:sld xmlns:a="http://schemas.openxmlformats.org/drawingml/2006/main" xmlns:r="http://schemas.openxmlformats.org/officeDocument/2006/relationships" xmlns:p="http://schemas.openxmlformats.org/presentationml/2006/main">
   <p:cSld>
     <p:bg>
@@ -5273,7 +5875,7 @@
           <p:cNvPr id="8" name="Rectangle 7">
             <a:extLst>
               <a:ext uri="{FF2B5EF4-FFF2-40B4-BE49-F238E27FC236}">
-                <a16:creationId xmlns:a16="http://schemas.microsoft.com/office/drawing/2014/main" id="{C05CBC3C-2E5A-4839-8B9B-2E5A6ADF0F58}"/>
+                <a16:creationId xmlns:a16="http://schemas.microsoft.com/office/drawing/2014/main" id="{100EDD19-6802-4EC3-95CE-CFFAB042CFD6}"/>
               </a:ext>
               <a:ext uri="{C183D7F6-B498-43B3-948B-1728B52AA6E4}">
                 <adec:decorative xmlns:adec="http://schemas.microsoft.com/office/drawing/2017/decorative" val="1"/>
@@ -5330,627 +5932,10 @@
       </p:sp>
       <p:sp>
         <p:nvSpPr>
-          <p:cNvPr id="10" name="Freeform: Shape 9">
-            <a:extLst>
-              <a:ext uri="{FF2B5EF4-FFF2-40B4-BE49-F238E27FC236}">
-                <a16:creationId xmlns:a16="http://schemas.microsoft.com/office/drawing/2014/main" id="{827FF362-FC97-4BF5-949B-D4ADFA26E457}"/>
-              </a:ext>
-              <a:ext uri="{C183D7F6-B498-43B3-948B-1728B52AA6E4}">
-                <adec:decorative xmlns:adec="http://schemas.microsoft.com/office/drawing/2017/decorative" val="1"/>
-              </a:ext>
-            </a:extLst>
-          </p:cNvPr>
-          <p:cNvSpPr>
-            <a:spLocks noGrp="1" noRot="1" noChangeAspect="1" noMove="1" noResize="1" noEditPoints="1" noAdjustHandles="1" noChangeArrowheads="1" noChangeShapeType="1" noTextEdit="1"/>
-          </p:cNvSpPr>
-          <p:nvPr>
-            <p:extLst>
-              <p:ext uri="{386F3935-93C4-4BCD-93E2-E3B085C9AB24}">
-                <p16:designElem xmlns:p16="http://schemas.microsoft.com/office/powerpoint/2015/main" val="1"/>
-              </p:ext>
-            </p:extLst>
-          </p:nvPr>
-        </p:nvSpPr>
-        <p:spPr>
-          <a:xfrm rot="8888549">
-            <a:off x="-1059473" y="-1108988"/>
-            <a:ext cx="7179830" cy="5226565"/>
-          </a:xfrm>
-          <a:custGeom>
-            <a:avLst/>
-            <a:gdLst>
-              <a:gd name="connsiteX0" fmla="*/ 5217841 w 7179830"/>
-              <a:gd name="connsiteY0" fmla="*/ 464824 h 5226565"/>
-              <a:gd name="connsiteX1" fmla="*/ 5222490 w 7179830"/>
-              <a:gd name="connsiteY1" fmla="*/ 464289 h 5226565"/>
-              <a:gd name="connsiteX2" fmla="*/ 5216768 w 7179830"/>
-              <a:gd name="connsiteY2" fmla="*/ 463394 h 5226565"/>
-              <a:gd name="connsiteX3" fmla="*/ 5217841 w 7179830"/>
-              <a:gd name="connsiteY3" fmla="*/ 464824 h 5226565"/>
-              <a:gd name="connsiteX4" fmla="*/ 4945201 w 7179830"/>
-              <a:gd name="connsiteY4" fmla="*/ 5226565 h 5226565"/>
-              <a:gd name="connsiteX5" fmla="*/ 140449 w 7179830"/>
-              <a:gd name="connsiteY5" fmla="*/ 2240811 h 5226565"/>
-              <a:gd name="connsiteX6" fmla="*/ 232913 w 7179830"/>
-              <a:gd name="connsiteY6" fmla="*/ 2052782 h 5226565"/>
-              <a:gd name="connsiteX7" fmla="*/ 375714 w 7179830"/>
-              <a:gd name="connsiteY7" fmla="*/ 1803205 h 5226565"/>
-              <a:gd name="connsiteX8" fmla="*/ 1512756 w 7179830"/>
-              <a:gd name="connsiteY8" fmla="*/ 638448 h 5226565"/>
-              <a:gd name="connsiteX9" fmla="*/ 2902095 w 7179830"/>
-              <a:gd name="connsiteY9" fmla="*/ 120440 h 5226565"/>
-              <a:gd name="connsiteX10" fmla="*/ 2848453 w 7179830"/>
-              <a:gd name="connsiteY10" fmla="*/ 125626 h 5226565"/>
-              <a:gd name="connsiteX11" fmla="*/ 1837830 w 7179830"/>
-              <a:gd name="connsiteY11" fmla="*/ 426203 h 5226565"/>
-              <a:gd name="connsiteX12" fmla="*/ 214608 w 7179830"/>
-              <a:gd name="connsiteY12" fmla="*/ 1882239 h 5226565"/>
-              <a:gd name="connsiteX13" fmla="*/ 91317 w 7179830"/>
-              <a:gd name="connsiteY13" fmla="*/ 2123701 h 5226565"/>
-              <a:gd name="connsiteX14" fmla="*/ 64092 w 7179830"/>
-              <a:gd name="connsiteY14" fmla="*/ 2193361 h 5226565"/>
-              <a:gd name="connsiteX15" fmla="*/ 0 w 7179830"/>
-              <a:gd name="connsiteY15" fmla="*/ 2153533 h 5226565"/>
-              <a:gd name="connsiteX16" fmla="*/ 42834 w 7179830"/>
-              <a:gd name="connsiteY16" fmla="*/ 2047277 h 5226565"/>
-              <a:gd name="connsiteX17" fmla="*/ 923582 w 7179830"/>
-              <a:gd name="connsiteY17" fmla="*/ 915600 h 5226565"/>
-              <a:gd name="connsiteX18" fmla="*/ 2686989 w 7179830"/>
-              <a:gd name="connsiteY18" fmla="*/ 73950 h 5226565"/>
-              <a:gd name="connsiteX19" fmla="*/ 3059983 w 7179830"/>
-              <a:gd name="connsiteY19" fmla="*/ 20308 h 5226565"/>
-              <a:gd name="connsiteX20" fmla="*/ 3454435 w 7179830"/>
-              <a:gd name="connsiteY20" fmla="*/ 1176 h 5226565"/>
-              <a:gd name="connsiteX21" fmla="*/ 3923806 w 7179830"/>
-              <a:gd name="connsiteY21" fmla="*/ 49990 h 5226565"/>
-              <a:gd name="connsiteX22" fmla="*/ 5350874 w 7179830"/>
-              <a:gd name="connsiteY22" fmla="*/ 426917 h 5226565"/>
-              <a:gd name="connsiteX23" fmla="*/ 6607360 w 7179830"/>
-              <a:gd name="connsiteY23" fmla="*/ 1075097 h 5226565"/>
-              <a:gd name="connsiteX24" fmla="*/ 7110534 w 7179830"/>
-              <a:gd name="connsiteY24" fmla="*/ 1541421 h 5226565"/>
-              <a:gd name="connsiteX25" fmla="*/ 7179830 w 7179830"/>
-              <a:gd name="connsiteY25" fmla="*/ 1630542 h 5226565"/>
-              <a:gd name="connsiteX26" fmla="*/ 7136295 w 7179830"/>
-              <a:gd name="connsiteY26" fmla="*/ 1700600 h 5226565"/>
-              <a:gd name="connsiteX27" fmla="*/ 7131140 w 7179830"/>
-              <a:gd name="connsiteY27" fmla="*/ 1693045 h 5226565"/>
-              <a:gd name="connsiteX28" fmla="*/ 6577499 w 7179830"/>
-              <a:gd name="connsiteY28" fmla="*/ 1148230 h 5226565"/>
-              <a:gd name="connsiteX29" fmla="*/ 5494816 w 7179830"/>
-              <a:gd name="connsiteY29" fmla="*/ 563527 h 5226565"/>
-              <a:gd name="connsiteX30" fmla="*/ 5366967 w 7179830"/>
-              <a:gd name="connsiteY30" fmla="*/ 514176 h 5226565"/>
-              <a:gd name="connsiteX31" fmla="*/ 5244661 w 7179830"/>
-              <a:gd name="connsiteY31" fmla="*/ 470725 h 5226565"/>
-              <a:gd name="connsiteX32" fmla="*/ 5904822 w 7179830"/>
-              <a:gd name="connsiteY32" fmla="*/ 815468 h 5226565"/>
-              <a:gd name="connsiteX33" fmla="*/ 7015222 w 7179830"/>
-              <a:gd name="connsiteY33" fmla="*/ 1815185 h 5226565"/>
-              <a:gd name="connsiteX34" fmla="*/ 7040454 w 7179830"/>
-              <a:gd name="connsiteY34" fmla="*/ 1854830 h 5226565"/>
-            </a:gdLst>
-            <a:ahLst/>
-            <a:cxnLst>
-              <a:cxn ang="0">
-                <a:pos x="connsiteX0" y="connsiteY0"/>
-              </a:cxn>
-              <a:cxn ang="0">
-                <a:pos x="connsiteX1" y="connsiteY1"/>
-              </a:cxn>
-              <a:cxn ang="0">
-                <a:pos x="connsiteX2" y="connsiteY2"/>
-              </a:cxn>
-              <a:cxn ang="0">
-                <a:pos x="connsiteX3" y="connsiteY3"/>
-              </a:cxn>
-              <a:cxn ang="0">
-                <a:pos x="connsiteX4" y="connsiteY4"/>
-              </a:cxn>
-              <a:cxn ang="0">
-                <a:pos x="connsiteX5" y="connsiteY5"/>
-              </a:cxn>
-              <a:cxn ang="0">
-                <a:pos x="connsiteX6" y="connsiteY6"/>
-              </a:cxn>
-              <a:cxn ang="0">
-                <a:pos x="connsiteX7" y="connsiteY7"/>
-              </a:cxn>
-              <a:cxn ang="0">
-                <a:pos x="connsiteX8" y="connsiteY8"/>
-              </a:cxn>
-              <a:cxn ang="0">
-                <a:pos x="connsiteX9" y="connsiteY9"/>
-              </a:cxn>
-              <a:cxn ang="0">
-                <a:pos x="connsiteX10" y="connsiteY10"/>
-              </a:cxn>
-              <a:cxn ang="0">
-                <a:pos x="connsiteX11" y="connsiteY11"/>
-              </a:cxn>
-              <a:cxn ang="0">
-                <a:pos x="connsiteX12" y="connsiteY12"/>
-              </a:cxn>
-              <a:cxn ang="0">
-                <a:pos x="connsiteX13" y="connsiteY13"/>
-              </a:cxn>
-              <a:cxn ang="0">
-                <a:pos x="connsiteX14" y="connsiteY14"/>
-              </a:cxn>
-              <a:cxn ang="0">
-                <a:pos x="connsiteX15" y="connsiteY15"/>
-              </a:cxn>
-              <a:cxn ang="0">
-                <a:pos x="connsiteX16" y="connsiteY16"/>
-              </a:cxn>
-              <a:cxn ang="0">
-                <a:pos x="connsiteX17" y="connsiteY17"/>
-              </a:cxn>
-              <a:cxn ang="0">
-                <a:pos x="connsiteX18" y="connsiteY18"/>
-              </a:cxn>
-              <a:cxn ang="0">
-                <a:pos x="connsiteX19" y="connsiteY19"/>
-              </a:cxn>
-              <a:cxn ang="0">
-                <a:pos x="connsiteX20" y="connsiteY20"/>
-              </a:cxn>
-              <a:cxn ang="0">
-                <a:pos x="connsiteX21" y="connsiteY21"/>
-              </a:cxn>
-              <a:cxn ang="0">
-                <a:pos x="connsiteX22" y="connsiteY22"/>
-              </a:cxn>
-              <a:cxn ang="0">
-                <a:pos x="connsiteX23" y="connsiteY23"/>
-              </a:cxn>
-              <a:cxn ang="0">
-                <a:pos x="connsiteX24" y="connsiteY24"/>
-              </a:cxn>
-              <a:cxn ang="0">
-                <a:pos x="connsiteX25" y="connsiteY25"/>
-              </a:cxn>
-              <a:cxn ang="0">
-                <a:pos x="connsiteX26" y="connsiteY26"/>
-              </a:cxn>
-              <a:cxn ang="0">
-                <a:pos x="connsiteX27" y="connsiteY27"/>
-              </a:cxn>
-              <a:cxn ang="0">
-                <a:pos x="connsiteX28" y="connsiteY28"/>
-              </a:cxn>
-              <a:cxn ang="0">
-                <a:pos x="connsiteX29" y="connsiteY29"/>
-              </a:cxn>
-              <a:cxn ang="0">
-                <a:pos x="connsiteX30" y="connsiteY30"/>
-              </a:cxn>
-              <a:cxn ang="0">
-                <a:pos x="connsiteX31" y="connsiteY31"/>
-              </a:cxn>
-              <a:cxn ang="0">
-                <a:pos x="connsiteX32" y="connsiteY32"/>
-              </a:cxn>
-              <a:cxn ang="0">
-                <a:pos x="connsiteX33" y="connsiteY33"/>
-              </a:cxn>
-              <a:cxn ang="0">
-                <a:pos x="connsiteX34" y="connsiteY34"/>
-              </a:cxn>
-            </a:cxnLst>
-            <a:rect l="l" t="t" r="r" b="b"/>
-            <a:pathLst>
-              <a:path w="7179830" h="5226565">
-                <a:moveTo>
-                  <a:pt x="5217841" y="464824"/>
-                </a:moveTo>
-                <a:lnTo>
-                  <a:pt x="5222490" y="464289"/>
-                </a:lnTo>
-                <a:lnTo>
-                  <a:pt x="5216768" y="463394"/>
-                </a:lnTo>
-                <a:cubicBezTo>
-                  <a:pt x="5216768" y="463394"/>
-                  <a:pt x="5216768" y="464646"/>
-                  <a:pt x="5217841" y="464824"/>
-                </a:cubicBezTo>
-                <a:close/>
-                <a:moveTo>
-                  <a:pt x="4945201" y="5226565"/>
-                </a:moveTo>
-                <a:lnTo>
-                  <a:pt x="140449" y="2240811"/>
-                </a:lnTo>
-                <a:lnTo>
-                  <a:pt x="232913" y="2052782"/>
-                </a:lnTo>
-                <a:cubicBezTo>
-                  <a:pt x="277693" y="1968290"/>
-                  <a:pt x="325201" y="1885054"/>
-                  <a:pt x="375714" y="1803205"/>
-                </a:cubicBezTo>
-                <a:cubicBezTo>
-                  <a:pt x="667528" y="1329721"/>
-                  <a:pt x="1039629" y="935091"/>
-                  <a:pt x="1512756" y="638448"/>
-                </a:cubicBezTo>
-                <a:cubicBezTo>
-                  <a:pt x="1939392" y="370950"/>
-                  <a:pt x="2405724" y="210560"/>
-                  <a:pt x="2902095" y="120440"/>
-                </a:cubicBezTo>
-                <a:cubicBezTo>
-                  <a:pt x="2884054" y="118134"/>
-                  <a:pt x="2865727" y="119904"/>
-                  <a:pt x="2848453" y="125626"/>
-                </a:cubicBezTo>
-                <a:cubicBezTo>
-                  <a:pt x="2498704" y="175943"/>
-                  <a:pt x="2158217" y="277201"/>
-                  <a:pt x="1837830" y="426203"/>
-                </a:cubicBezTo>
-                <a:cubicBezTo>
-                  <a:pt x="1147094" y="744660"/>
-                  <a:pt x="593502" y="1217071"/>
-                  <a:pt x="214608" y="1882239"/>
-                </a:cubicBezTo>
-                <a:cubicBezTo>
-                  <a:pt x="169441" y="1960776"/>
-                  <a:pt x="128308" y="2041369"/>
-                  <a:pt x="91317" y="2123701"/>
-                </a:cubicBezTo>
-                <a:lnTo>
-                  <a:pt x="64092" y="2193361"/>
-                </a:lnTo>
-                <a:lnTo>
-                  <a:pt x="0" y="2153533"/>
-                </a:lnTo>
-                <a:lnTo>
-                  <a:pt x="42834" y="2047277"/>
-                </a:lnTo>
-                <a:cubicBezTo>
-                  <a:pt x="241792" y="1615775"/>
-                  <a:pt x="541268" y="1241591"/>
-                  <a:pt x="923582" y="915600"/>
-                </a:cubicBezTo>
-                <a:cubicBezTo>
-                  <a:pt x="1435331" y="478415"/>
-                  <a:pt x="2028081" y="205375"/>
-                  <a:pt x="2686989" y="73950"/>
-                </a:cubicBezTo>
-                <a:cubicBezTo>
-                  <a:pt x="2810367" y="49274"/>
-                  <a:pt x="2934818" y="32466"/>
-                  <a:pt x="3059983" y="20308"/>
-                </a:cubicBezTo>
-                <a:cubicBezTo>
-                  <a:pt x="3185149" y="8148"/>
-                  <a:pt x="3308706" y="2963"/>
-                  <a:pt x="3454435" y="1176"/>
-                </a:cubicBezTo>
-                <a:cubicBezTo>
-                  <a:pt x="3599805" y="-5977"/>
-                  <a:pt x="3761985" y="20665"/>
-                  <a:pt x="3923806" y="49990"/>
-                </a:cubicBezTo>
-                <a:cubicBezTo>
-                  <a:pt x="4409449" y="137964"/>
-                  <a:pt x="4886867" y="257228"/>
-                  <a:pt x="5350874" y="426917"/>
-                </a:cubicBezTo>
-                <a:cubicBezTo>
-                  <a:pt x="5797001" y="589991"/>
-                  <a:pt x="6223101" y="792223"/>
-                  <a:pt x="6607360" y="1075097"/>
-                </a:cubicBezTo>
-                <a:cubicBezTo>
-                  <a:pt x="6794438" y="1212779"/>
-                  <a:pt x="6965102" y="1365689"/>
-                  <a:pt x="7110534" y="1541421"/>
-                </a:cubicBezTo>
-                <a:lnTo>
-                  <a:pt x="7179830" y="1630542"/>
-                </a:lnTo>
-                <a:lnTo>
-                  <a:pt x="7136295" y="1700600"/>
-                </a:lnTo>
-                <a:lnTo>
-                  <a:pt x="7131140" y="1693045"/>
-                </a:lnTo>
-                <a:cubicBezTo>
-                  <a:pt x="6977874" y="1483026"/>
-                  <a:pt x="6788448" y="1305671"/>
-                  <a:pt x="6577499" y="1148230"/>
-                </a:cubicBezTo>
-                <a:cubicBezTo>
-                  <a:pt x="6245452" y="900401"/>
-                  <a:pt x="5878538" y="716408"/>
-                  <a:pt x="5494816" y="563527"/>
-                </a:cubicBezTo>
-                <a:cubicBezTo>
-                  <a:pt x="5452491" y="546487"/>
-                  <a:pt x="5409881" y="530036"/>
-                  <a:pt x="5366967" y="514176"/>
-                </a:cubicBezTo>
-                <a:cubicBezTo>
-                  <a:pt x="5326377" y="499156"/>
-                  <a:pt x="5285430" y="485210"/>
-                  <a:pt x="5244661" y="470725"/>
-                </a:cubicBezTo>
-                <a:cubicBezTo>
-                  <a:pt x="5471517" y="572127"/>
-                  <a:pt x="5691970" y="687263"/>
-                  <a:pt x="5904822" y="815468"/>
-                </a:cubicBezTo>
-                <a:cubicBezTo>
-                  <a:pt x="6336645" y="1080104"/>
-                  <a:pt x="6718758" y="1400351"/>
-                  <a:pt x="7015222" y="1815185"/>
-                </a:cubicBezTo>
-                <a:lnTo>
-                  <a:pt x="7040454" y="1854830"/>
-                </a:lnTo>
-                <a:close/>
-              </a:path>
-            </a:pathLst>
-          </a:custGeom>
-          <a:solidFill>
-            <a:schemeClr val="accent2"/>
-          </a:solidFill>
-          <a:ln w="12700" cap="flat">
-            <a:noFill/>
-            <a:prstDash val="solid"/>
-            <a:miter/>
-          </a:ln>
-        </p:spPr>
-        <p:txBody>
-          <a:bodyPr wrap="square" rtlCol="0" anchor="ctr">
-            <a:noAutofit/>
-          </a:bodyPr>
-          <a:lstStyle/>
-          <a:p>
-            <a:endParaRPr lang="en-US"/>
-          </a:p>
-        </p:txBody>
-      </p:sp>
-      <p:sp>
-        <p:nvSpPr>
           <p:cNvPr id="2" name="Title 1">
             <a:extLst>
               <a:ext uri="{FF2B5EF4-FFF2-40B4-BE49-F238E27FC236}">
-                <a16:creationId xmlns:a16="http://schemas.microsoft.com/office/drawing/2014/main" id="{3CA99258-D105-91EC-EBAF-288F972D1446}"/>
-              </a:ext>
-            </a:extLst>
-          </p:cNvPr>
-          <p:cNvSpPr>
-            <a:spLocks noGrp="1"/>
-          </p:cNvSpPr>
-          <p:nvPr>
-            <p:ph type="title"/>
-          </p:nvPr>
-        </p:nvSpPr>
-        <p:spPr>
-          <a:xfrm>
-            <a:off x="841246" y="673770"/>
-            <a:ext cx="3644489" cy="2414488"/>
-          </a:xfrm>
-        </p:spPr>
-        <p:txBody>
-          <a:bodyPr anchor="t">
-            <a:normAutofit/>
-          </a:bodyPr>
-          <a:lstStyle/>
-          <a:p>
-            <a:r>
-              <a:rPr lang="en-GB" sz="4200">
-                <a:solidFill>
-                  <a:srgbClr val="FFFFFF"/>
-                </a:solidFill>
-              </a:rPr>
-              <a:t>EC2 Instance Metadata – Restrict Access</a:t>
-            </a:r>
-            <a:endParaRPr lang="en-CH" sz="4200">
-              <a:solidFill>
-                <a:srgbClr val="FFFFFF"/>
-              </a:solidFill>
-            </a:endParaRPr>
-          </a:p>
-        </p:txBody>
-      </p:sp>
-      <p:sp>
-        <p:nvSpPr>
-          <p:cNvPr id="3" name="Content Placeholder 2">
-            <a:extLst>
-              <a:ext uri="{FF2B5EF4-FFF2-40B4-BE49-F238E27FC236}">
-                <a16:creationId xmlns:a16="http://schemas.microsoft.com/office/drawing/2014/main" id="{2EBF0E03-EA38-2C3E-B453-A4A3DD40B5E5}"/>
-              </a:ext>
-            </a:extLst>
-          </p:cNvPr>
-          <p:cNvSpPr>
-            <a:spLocks noGrp="1"/>
-          </p:cNvSpPr>
-          <p:nvPr>
-            <p:ph idx="1"/>
-          </p:nvPr>
-        </p:nvSpPr>
-        <p:spPr>
-          <a:xfrm>
-            <a:off x="6095999" y="882315"/>
-            <a:ext cx="5254754" cy="5294647"/>
-          </a:xfrm>
-        </p:spPr>
-        <p:txBody>
-          <a:bodyPr>
-            <a:normAutofit/>
-          </a:bodyPr>
-          <a:lstStyle/>
-          <a:p>
-            <a:r>
-              <a:rPr lang="en-GB" sz="2200" dirty="0"/>
-              <a:t>You can use local firewall rules to disable access for some or all processes </a:t>
-            </a:r>
-          </a:p>
-          <a:p>
-            <a:pPr lvl="2"/>
-            <a:r>
-              <a:rPr lang="en-GB" sz="1200" dirty="0"/>
-              <a:t>$ </a:t>
-            </a:r>
-            <a:r>
-              <a:rPr lang="en-GB" sz="1200" dirty="0" err="1"/>
-              <a:t>sudo</a:t>
-            </a:r>
-            <a:r>
-              <a:rPr lang="en-GB" sz="1200" dirty="0"/>
-              <a:t> iptables --append OUTPUT --proto </a:t>
-            </a:r>
-            <a:r>
-              <a:rPr lang="en-GB" sz="1200" dirty="0" err="1"/>
-              <a:t>tcp</a:t>
-            </a:r>
-            <a:r>
-              <a:rPr lang="en-GB" sz="1200" dirty="0"/>
-              <a:t> --destination 169.254.169.254 \ --match owner --</a:t>
-            </a:r>
-            <a:r>
-              <a:rPr lang="en-GB" sz="1200" dirty="0" err="1"/>
-              <a:t>uid</a:t>
-            </a:r>
-            <a:r>
-              <a:rPr lang="en-GB" sz="1200" dirty="0"/>
-              <a:t>-owner </a:t>
-            </a:r>
-            <a:r>
-              <a:rPr lang="en-GB" sz="1200" dirty="0" err="1"/>
-              <a:t>apache</a:t>
-            </a:r>
-            <a:r>
-              <a:rPr lang="en-GB" sz="1200" dirty="0"/>
-              <a:t> --jump REJECT</a:t>
-            </a:r>
-          </a:p>
-          <a:p>
-            <a:r>
-              <a:rPr lang="en-GB" sz="2200" dirty="0"/>
-              <a:t>iptables for Linux, PF or IPFW for FreeBSD • Turn off access using AWS Console or AWS CLI (</a:t>
-            </a:r>
-            <a:r>
-              <a:rPr lang="en-GB" sz="2200" dirty="0" err="1"/>
-              <a:t>HttpEndpoint</a:t>
-            </a:r>
-            <a:r>
-              <a:rPr lang="en-GB" sz="2200" dirty="0"/>
-              <a:t>=disabled)</a:t>
-            </a:r>
-            <a:endParaRPr lang="en-CH" sz="2200" dirty="0"/>
-          </a:p>
-        </p:txBody>
-      </p:sp>
-    </p:spTree>
-    <p:extLst>
-      <p:ext uri="{BB962C8B-B14F-4D97-AF65-F5344CB8AC3E}">
-        <p14:creationId xmlns:p14="http://schemas.microsoft.com/office/powerpoint/2010/main" val="738341165"/>
-      </p:ext>
-    </p:extLst>
-  </p:cSld>
-  <p:clrMapOvr>
-    <a:masterClrMapping/>
-  </p:clrMapOvr>
-</p:sld>
-</file>
-
-<file path=ppt/slides/slide13.xml><?xml version="1.0" encoding="utf-8"?>
-<p:sld xmlns:a="http://schemas.openxmlformats.org/drawingml/2006/main" xmlns:r="http://schemas.openxmlformats.org/officeDocument/2006/relationships" xmlns:p="http://schemas.openxmlformats.org/presentationml/2006/main">
-  <p:cSld>
-    <p:bg>
-      <p:bgPr>
-        <a:solidFill>
-          <a:schemeClr val="bg1"/>
-        </a:solidFill>
-        <a:effectLst/>
-      </p:bgPr>
-    </p:bg>
-    <p:spTree>
-      <p:nvGrpSpPr>
-        <p:cNvPr id="1" name=""/>
-        <p:cNvGrpSpPr/>
-        <p:nvPr/>
-      </p:nvGrpSpPr>
-      <p:grpSpPr>
-        <a:xfrm>
-          <a:off x="0" y="0"/>
-          <a:ext cx="0" cy="0"/>
-          <a:chOff x="0" y="0"/>
-          <a:chExt cx="0" cy="0"/>
-        </a:xfrm>
-      </p:grpSpPr>
-      <p:sp useBgFill="1">
-        <p:nvSpPr>
-          <p:cNvPr id="8" name="Rectangle 7">
-            <a:extLst>
-              <a:ext uri="{FF2B5EF4-FFF2-40B4-BE49-F238E27FC236}">
-                <a16:creationId xmlns:a16="http://schemas.microsoft.com/office/drawing/2014/main" id="{100EDD19-6802-4EC3-95CE-CFFAB042CFD6}"/>
-              </a:ext>
-              <a:ext uri="{C183D7F6-B498-43B3-948B-1728B52AA6E4}">
-                <adec:decorative xmlns:adec="http://schemas.microsoft.com/office/drawing/2017/decorative" val="1"/>
-              </a:ext>
-            </a:extLst>
-          </p:cNvPr>
-          <p:cNvSpPr>
-            <a:spLocks noGrp="1" noRot="1" noChangeAspect="1" noMove="1" noResize="1" noEditPoints="1" noAdjustHandles="1" noChangeArrowheads="1" noChangeShapeType="1" noTextEdit="1"/>
-          </p:cNvSpPr>
-          <p:nvPr>
-            <p:extLst>
-              <p:ext uri="{386F3935-93C4-4BCD-93E2-E3B085C9AB24}">
-                <p16:designElem xmlns:p16="http://schemas.microsoft.com/office/powerpoint/2015/main" val="1"/>
-              </p:ext>
-            </p:extLst>
-          </p:nvPr>
-        </p:nvSpPr>
-        <p:spPr>
-          <a:xfrm>
-            <a:off x="0" y="0"/>
-            <a:ext cx="12188952" cy="6858000"/>
-          </a:xfrm>
-          <a:prstGeom prst="rect">
-            <a:avLst/>
-          </a:prstGeom>
-          <a:ln>
-            <a:noFill/>
-          </a:ln>
-        </p:spPr>
-        <p:style>
-          <a:lnRef idx="2">
-            <a:schemeClr val="accent1">
-              <a:shade val="50000"/>
-            </a:schemeClr>
-          </a:lnRef>
-          <a:fillRef idx="1">
-            <a:schemeClr val="accent1"/>
-          </a:fillRef>
-          <a:effectRef idx="0">
-            <a:schemeClr val="accent1"/>
-          </a:effectRef>
-          <a:fontRef idx="minor">
-            <a:schemeClr val="lt1"/>
-          </a:fontRef>
-        </p:style>
-        <p:txBody>
-          <a:bodyPr rtlCol="0" anchor="ctr"/>
-          <a:lstStyle/>
-          <a:p>
-            <a:pPr algn="ctr"/>
-            <a:endParaRPr lang="en-US"/>
-          </a:p>
-        </p:txBody>
-      </p:sp>
-      <p:sp>
-        <p:nvSpPr>
-          <p:cNvPr id="2" name="Title 1">
-            <a:extLst>
-              <a:ext uri="{FF2B5EF4-FFF2-40B4-BE49-F238E27FC236}">
-                <a16:creationId xmlns:a16="http://schemas.microsoft.com/office/drawing/2014/main" id="{E4C532F1-48D4-8FAE-CA79-5EF603C1A284}"/>
+                <a16:creationId xmlns:a16="http://schemas.microsoft.com/office/drawing/2014/main" id="{A7AFFAD2-3237-7841-7537-10FEBBA70AB0}"/>
               </a:ext>
             </a:extLst>
           </p:cNvPr>
@@ -5974,9 +5959,10 @@
           <a:lstStyle/>
           <a:p>
             <a:r>
-              <a:rPr lang="en-CH" sz="4600"/>
-              <a:t>Ec2 Instance Metadata – IMDSv1 vs IMDSv2</a:t>
-            </a:r>
+              <a:rPr lang="en-GB" sz="5400"/>
+              <a:t>Requiring the usage of IMDSv2</a:t>
+            </a:r>
+            <a:endParaRPr lang="en-CH" sz="5400"/>
           </a:p>
         </p:txBody>
       </p:sp>
@@ -6623,7 +6609,7 @@
           <p:cNvPr id="3" name="Content Placeholder 2">
             <a:extLst>
               <a:ext uri="{FF2B5EF4-FFF2-40B4-BE49-F238E27FC236}">
-                <a16:creationId xmlns:a16="http://schemas.microsoft.com/office/drawing/2014/main" id="{13FB1327-FD56-572B-62FE-361B261B3748}"/>
+                <a16:creationId xmlns:a16="http://schemas.microsoft.com/office/drawing/2014/main" id="{EAFE136B-5595-AD15-10CC-8F4CF270ECCB}"/>
               </a:ext>
             </a:extLst>
           </p:cNvPr>
@@ -6648,67 +6634,53 @@
           <a:p>
             <a:r>
               <a:rPr lang="en-GB" sz="2200"/>
-              <a:t> IMDSv1 is accessing http://169.254.169.254/latest/meta-data directly </a:t>
+              <a:t>Both IMDSv1 and IMDSv2 are available (enabled by default) </a:t>
             </a:r>
           </a:p>
           <a:p>
             <a:r>
               <a:rPr lang="en-GB" sz="2200"/>
-              <a:t>IMDSv2 is more secure and is done in two steps: </a:t>
+              <a:t>The CloudWatch Metric MetadataNoToken provide information on how much IMDSv1 is used </a:t>
+            </a:r>
+          </a:p>
+          <a:p>
+            <a:r>
+              <a:rPr lang="en-GB" sz="2200"/>
+              <a:t>You can require IMDSv2 when registering an AMI: --imds-support v2.0</a:t>
+            </a:r>
+          </a:p>
+          <a:p>
+            <a:r>
+              <a:rPr lang="en-GB" sz="2200"/>
+              <a:t>You can force Metadata Version 2 at Instance Launch using either: • </a:t>
             </a:r>
           </a:p>
           <a:p>
             <a:pPr lvl="1"/>
             <a:r>
               <a:rPr lang="en-GB" sz="2200"/>
-              <a:t>1. Get Session Token (limited validity) – using headers &amp; PUT </a:t>
-            </a:r>
-          </a:p>
-          <a:p>
-            <a:pPr lvl="2"/>
+              <a:t>AWS console </a:t>
+            </a:r>
+          </a:p>
+          <a:p>
+            <a:pPr lvl="1"/>
             <a:r>
               <a:rPr lang="en-GB" sz="2200"/>
-              <a:t>$ TOKEN=`curl -X PUT "http://169.254.169.254/latest/api/token" \ -H "X-aws-ec2-metadata-token-ttl-seconds: 21600"`</a:t>
-            </a:r>
-          </a:p>
-          <a:p>
-            <a:pPr lvl="2"/>
+              <a:t>AWS CLI “HttpTokens: required” </a:t>
+            </a:r>
+          </a:p>
+          <a:p>
+            <a:pPr marL="457200" lvl="1" indent="0">
+              <a:buNone/>
+            </a:pPr>
             <a:endParaRPr lang="en-GB" sz="2200"/>
-          </a:p>
-          <a:p>
-            <a:pPr lvl="1"/>
-            <a:r>
-              <a:rPr lang="en-GB" sz="2200"/>
-              <a:t>2. Use Session Token in IMDSv2 calls – using headers</a:t>
-            </a:r>
-          </a:p>
-          <a:p>
-            <a:pPr lvl="2"/>
-            <a:r>
-              <a:rPr lang="en-GB" sz="2200"/>
-              <a:t>$ curl </a:t>
-            </a:r>
-            <a:r>
-              <a:rPr lang="en-GB" sz="2200">
-                <a:hlinkClick r:id="rId2"/>
-              </a:rPr>
-              <a:t>http://169.254.169.254/latest/meta-data/profile \</a:t>
-            </a:r>
-            <a:r>
-              <a:rPr lang="en-GB" sz="2200"/>
-              <a:t> -H "X-aws-ec2-metadata-token: $TOKEN"</a:t>
-            </a:r>
-          </a:p>
-          <a:p>
-            <a:pPr lvl="1"/>
-            <a:endParaRPr lang="en-CH" sz="2200"/>
           </a:p>
         </p:txBody>
       </p:sp>
     </p:spTree>
     <p:extLst>
       <p:ext uri="{BB962C8B-B14F-4D97-AF65-F5344CB8AC3E}">
-        <p14:creationId xmlns:p14="http://schemas.microsoft.com/office/powerpoint/2010/main" val="2344691587"/>
+        <p14:creationId xmlns:p14="http://schemas.microsoft.com/office/powerpoint/2010/main" val="7619389"/>
       </p:ext>
     </p:extLst>
   </p:cSld>
@@ -6719,6 +6691,125 @@
 </file>
 
 <file path=ppt/slides/slide14.xml><?xml version="1.0" encoding="utf-8"?>
+<p:sld xmlns:a="http://schemas.openxmlformats.org/drawingml/2006/main" xmlns:r="http://schemas.openxmlformats.org/officeDocument/2006/relationships" xmlns:p="http://schemas.openxmlformats.org/presentationml/2006/main">
+  <p:cSld>
+    <p:spTree>
+      <p:nvGrpSpPr>
+        <p:cNvPr id="1" name=""/>
+        <p:cNvGrpSpPr/>
+        <p:nvPr/>
+      </p:nvGrpSpPr>
+      <p:grpSpPr>
+        <a:xfrm>
+          <a:off x="0" y="0"/>
+          <a:ext cx="0" cy="0"/>
+          <a:chOff x="0" y="0"/>
+          <a:chExt cx="0" cy="0"/>
+        </a:xfrm>
+      </p:grpSpPr>
+      <p:sp>
+        <p:nvSpPr>
+          <p:cNvPr id="2" name="Title 1">
+            <a:extLst>
+              <a:ext uri="{FF2B5EF4-FFF2-40B4-BE49-F238E27FC236}">
+                <a16:creationId xmlns:a16="http://schemas.microsoft.com/office/drawing/2014/main" id="{F4C725E2-C1BB-8EED-82D5-63FDB50CCD19}"/>
+              </a:ext>
+            </a:extLst>
+          </p:cNvPr>
+          <p:cNvSpPr>
+            <a:spLocks noGrp="1"/>
+          </p:cNvSpPr>
+          <p:nvPr>
+            <p:ph type="title"/>
+          </p:nvPr>
+        </p:nvSpPr>
+        <p:spPr/>
+        <p:txBody>
+          <a:bodyPr/>
+          <a:lstStyle/>
+          <a:p>
+            <a:r>
+              <a:rPr lang="en-CH" dirty="0"/>
+              <a:t>Links</a:t>
+            </a:r>
+          </a:p>
+        </p:txBody>
+      </p:sp>
+      <p:sp>
+        <p:nvSpPr>
+          <p:cNvPr id="3" name="Content Placeholder 2">
+            <a:extLst>
+              <a:ext uri="{FF2B5EF4-FFF2-40B4-BE49-F238E27FC236}">
+                <a16:creationId xmlns:a16="http://schemas.microsoft.com/office/drawing/2014/main" id="{5025E72B-7AEF-4B29-FD78-0DDE43B9221A}"/>
+              </a:ext>
+            </a:extLst>
+          </p:cNvPr>
+          <p:cNvSpPr>
+            <a:spLocks noGrp="1"/>
+          </p:cNvSpPr>
+          <p:nvPr>
+            <p:ph idx="1"/>
+          </p:nvPr>
+        </p:nvSpPr>
+        <p:spPr/>
+        <p:txBody>
+          <a:bodyPr/>
+          <a:lstStyle/>
+          <a:p>
+            <a:r>
+              <a:rPr lang="en-GB" dirty="0">
+                <a:hlinkClick r:id="rId2"/>
+              </a:rPr>
+              <a:t>https://wa.aws.amazon.com/wellarchitected/2020-07-02T19-33-23/wat.pillar.security.en.html</a:t>
+            </a:r>
+            <a:endParaRPr lang="ru-RU" dirty="0"/>
+          </a:p>
+          <a:p>
+            <a:r>
+              <a:rPr lang="en-GB" dirty="0">
+                <a:hlinkClick r:id="rId3"/>
+              </a:rPr>
+              <a:t>https://docs.aws.amazon.com/en_us/wellarchitected/2022-03-31/framework/sec-detection.html</a:t>
+            </a:r>
+            <a:endParaRPr lang="ru-RU" dirty="0"/>
+          </a:p>
+          <a:p>
+            <a:r>
+              <a:rPr lang="en-GB" dirty="0">
+                <a:hlinkClick r:id="rId4"/>
+              </a:rPr>
+              <a:t>https://docs.aws.amazon.com/en_us/wellarchitected/2022-03-31/framework/a-security.html</a:t>
+            </a:r>
+            <a:endParaRPr lang="ru-RU" dirty="0"/>
+          </a:p>
+          <a:p>
+            <a:r>
+              <a:rPr lang="en-GB" dirty="0">
+                <a:hlinkClick r:id="rId5"/>
+              </a:rPr>
+              <a:t>https://aws.amazon.com/architecture/security-identity-compliance/?cards-all.sort-by=item.additionalFields.sortDate&amp;cards-all.sort-order=desc&amp;awsf.content-type=*all&amp;awsf.methodology=*all</a:t>
+            </a:r>
+            <a:endParaRPr lang="ru-RU" dirty="0"/>
+          </a:p>
+          <a:p>
+            <a:endParaRPr lang="en-CH" dirty="0"/>
+          </a:p>
+        </p:txBody>
+      </p:sp>
+    </p:spTree>
+    <p:extLst>
+      <p:ext uri="{BB962C8B-B14F-4D97-AF65-F5344CB8AC3E}">
+        <p14:creationId xmlns:p14="http://schemas.microsoft.com/office/powerpoint/2010/main" val="525607550"/>
+      </p:ext>
+    </p:extLst>
+  </p:cSld>
+  <p:clrMapOvr>
+    <a:masterClrMapping/>
+  </p:clrMapOvr>
+</p:sld>
+</file>
+
+<file path=ppt/slides/slide2.xml><?xml version="1.0" encoding="utf-8"?>
 <p:sld xmlns:a="http://schemas.openxmlformats.org/drawingml/2006/main" xmlns:r="http://schemas.openxmlformats.org/officeDocument/2006/relationships" xmlns:p="http://schemas.openxmlformats.org/presentationml/2006/main">
   <p:cSld>
     <p:bg>
@@ -6808,7 +6899,7 @@
           <p:cNvPr id="2" name="Title 1">
             <a:extLst>
               <a:ext uri="{FF2B5EF4-FFF2-40B4-BE49-F238E27FC236}">
-                <a16:creationId xmlns:a16="http://schemas.microsoft.com/office/drawing/2014/main" id="{A7AFFAD2-3237-7841-7537-10FEBBA70AB0}"/>
+                <a16:creationId xmlns:a16="http://schemas.microsoft.com/office/drawing/2014/main" id="{1DA264EE-9629-ED82-9C1B-10E0B91FBF76}"/>
               </a:ext>
             </a:extLst>
           </p:cNvPr>
@@ -6832,10 +6923,9 @@
           <a:lstStyle/>
           <a:p>
             <a:r>
-              <a:rPr lang="en-GB" sz="5400"/>
-              <a:t>Requiring the usage of IMDSv2</a:t>
-            </a:r>
-            <a:endParaRPr lang="en-CH" sz="5400"/>
+              <a:rPr lang="en-CH" sz="5400"/>
+              <a:t>Compromised AWS Credentials</a:t>
+            </a:r>
           </a:p>
         </p:txBody>
       </p:sp>
@@ -7482,7 +7572,7 @@
           <p:cNvPr id="3" name="Content Placeholder 2">
             <a:extLst>
               <a:ext uri="{FF2B5EF4-FFF2-40B4-BE49-F238E27FC236}">
-                <a16:creationId xmlns:a16="http://schemas.microsoft.com/office/drawing/2014/main" id="{EAFE136B-5595-AD15-10CC-8F4CF270ECCB}"/>
+                <a16:creationId xmlns:a16="http://schemas.microsoft.com/office/drawing/2014/main" id="{B9C08E14-B63F-5B28-B4BF-80AE09636884}"/>
               </a:ext>
             </a:extLst>
           </p:cNvPr>
@@ -7507,53 +7597,46 @@
           <a:p>
             <a:r>
               <a:rPr lang="en-GB" sz="2200"/>
-              <a:t>Both IMDSv1 and IMDSv2 are available (enabled by default) </a:t>
+              <a:t>Identify the affected IAM user using GuardDuty </a:t>
             </a:r>
           </a:p>
           <a:p>
             <a:r>
               <a:rPr lang="en-GB" sz="2200"/>
-              <a:t>The CloudWatch Metric MetadataNoToken provide information on how much IMDSv1 is used </a:t>
+              <a:t>Rotate the exposed AWS Credentials </a:t>
             </a:r>
           </a:p>
           <a:p>
             <a:r>
               <a:rPr lang="en-GB" sz="2200"/>
-              <a:t>You can require IMDSv2 when registering an AMI: --imds-support v2.0</a:t>
+              <a:t>Invalidate temporary credentials by attaching an explicit Deny policy to the affected IAM user with an STS date condition</a:t>
             </a:r>
           </a:p>
           <a:p>
             <a:r>
               <a:rPr lang="en-GB" sz="2200"/>
-              <a:t>You can force Metadata Version 2 at Instance Launch using either: • </a:t>
-            </a:r>
-          </a:p>
-          <a:p>
-            <a:pPr lvl="1"/>
+              <a:t>Check CloudTrail logs for other unauthorized activity  </a:t>
+            </a:r>
+          </a:p>
+          <a:p>
             <a:r>
               <a:rPr lang="en-GB" sz="2200"/>
-              <a:t>AWS console </a:t>
-            </a:r>
-          </a:p>
-          <a:p>
-            <a:pPr lvl="1"/>
+              <a:t>Review your AWS resources (e.g., delete unauthorized resources) </a:t>
+            </a:r>
+          </a:p>
+          <a:p>
             <a:r>
               <a:rPr lang="en-GB" sz="2200"/>
-              <a:t>AWS CLI “HttpTokens: required” </a:t>
-            </a:r>
-          </a:p>
-          <a:p>
-            <a:pPr marL="457200" lvl="1" indent="0">
-              <a:buNone/>
-            </a:pPr>
-            <a:endParaRPr lang="en-GB" sz="2200"/>
+              <a:t>Verify your AWS account information</a:t>
+            </a:r>
+            <a:endParaRPr lang="en-CH" sz="2200"/>
           </a:p>
         </p:txBody>
       </p:sp>
     </p:spTree>
     <p:extLst>
       <p:ext uri="{BB962C8B-B14F-4D97-AF65-F5344CB8AC3E}">
-        <p14:creationId xmlns:p14="http://schemas.microsoft.com/office/powerpoint/2010/main" val="7619389"/>
+        <p14:creationId xmlns:p14="http://schemas.microsoft.com/office/powerpoint/2010/main" val="3716563099"/>
       </p:ext>
     </p:extLst>
   </p:cSld>
@@ -7563,123 +7646,7 @@
 </p:sld>
 </file>
 
-<file path=ppt/slides/slide15.xml><?xml version="1.0" encoding="utf-8"?>
-<p:sld xmlns:a="http://schemas.openxmlformats.org/drawingml/2006/main" xmlns:r="http://schemas.openxmlformats.org/officeDocument/2006/relationships" xmlns:p="http://schemas.openxmlformats.org/presentationml/2006/main">
-  <p:cSld>
-    <p:spTree>
-      <p:nvGrpSpPr>
-        <p:cNvPr id="1" name=""/>
-        <p:cNvGrpSpPr/>
-        <p:nvPr/>
-      </p:nvGrpSpPr>
-      <p:grpSpPr>
-        <a:xfrm>
-          <a:off x="0" y="0"/>
-          <a:ext cx="0" cy="0"/>
-          <a:chOff x="0" y="0"/>
-          <a:chExt cx="0" cy="0"/>
-        </a:xfrm>
-      </p:grpSpPr>
-      <p:sp>
-        <p:nvSpPr>
-          <p:cNvPr id="2" name="Title 1">
-            <a:extLst>
-              <a:ext uri="{FF2B5EF4-FFF2-40B4-BE49-F238E27FC236}">
-                <a16:creationId xmlns:a16="http://schemas.microsoft.com/office/drawing/2014/main" id="{F4C725E2-C1BB-8EED-82D5-63FDB50CCD19}"/>
-              </a:ext>
-            </a:extLst>
-          </p:cNvPr>
-          <p:cNvSpPr>
-            <a:spLocks noGrp="1"/>
-          </p:cNvSpPr>
-          <p:nvPr>
-            <p:ph type="title"/>
-          </p:nvPr>
-        </p:nvSpPr>
-        <p:spPr/>
-        <p:txBody>
-          <a:bodyPr/>
-          <a:lstStyle/>
-          <a:p>
-            <a:endParaRPr lang="en-CH" dirty="0"/>
-          </a:p>
-        </p:txBody>
-      </p:sp>
-      <p:sp>
-        <p:nvSpPr>
-          <p:cNvPr id="3" name="Content Placeholder 2">
-            <a:extLst>
-              <a:ext uri="{FF2B5EF4-FFF2-40B4-BE49-F238E27FC236}">
-                <a16:creationId xmlns:a16="http://schemas.microsoft.com/office/drawing/2014/main" id="{5025E72B-7AEF-4B29-FD78-0DDE43B9221A}"/>
-              </a:ext>
-            </a:extLst>
-          </p:cNvPr>
-          <p:cNvSpPr>
-            <a:spLocks noGrp="1"/>
-          </p:cNvSpPr>
-          <p:nvPr>
-            <p:ph idx="1"/>
-          </p:nvPr>
-        </p:nvSpPr>
-        <p:spPr/>
-        <p:txBody>
-          <a:bodyPr/>
-          <a:lstStyle/>
-          <a:p>
-            <a:r>
-              <a:rPr lang="en-GB" dirty="0">
-                <a:hlinkClick r:id="rId2"/>
-              </a:rPr>
-              <a:t>https://wa.aws.amazon.com/wellarchitected/2020-07-02T19-33-23/wat.pillar.security.en.html</a:t>
-            </a:r>
-            <a:endParaRPr lang="ru-RU" dirty="0"/>
-          </a:p>
-          <a:p>
-            <a:r>
-              <a:rPr lang="en-GB" dirty="0">
-                <a:hlinkClick r:id="rId3"/>
-              </a:rPr>
-              <a:t>https://docs.aws.amazon.com/en_us/wellarchitected/2022-03-31/framework/sec-detection.html</a:t>
-            </a:r>
-            <a:endParaRPr lang="ru-RU" dirty="0"/>
-          </a:p>
-          <a:p>
-            <a:r>
-              <a:rPr lang="en-GB" dirty="0">
-                <a:hlinkClick r:id="rId4"/>
-              </a:rPr>
-              <a:t>https://docs.aws.amazon.com/en_us/wellarchitected/2022-03-31/framework/a-security.html</a:t>
-            </a:r>
-            <a:endParaRPr lang="ru-RU" dirty="0"/>
-          </a:p>
-          <a:p>
-            <a:r>
-              <a:rPr lang="en-GB" dirty="0">
-                <a:hlinkClick r:id="rId5"/>
-              </a:rPr>
-              <a:t>https://aws.amazon.com/architecture/security-identity-compliance/?cards-all.sort-by=item.additionalFields.sortDate&amp;cards-all.sort-order=desc&amp;awsf.content-type=*all&amp;awsf.methodology=*all</a:t>
-            </a:r>
-            <a:endParaRPr lang="ru-RU" dirty="0"/>
-          </a:p>
-          <a:p>
-            <a:endParaRPr lang="en-CH" dirty="0"/>
-          </a:p>
-        </p:txBody>
-      </p:sp>
-    </p:spTree>
-    <p:extLst>
-      <p:ext uri="{BB962C8B-B14F-4D97-AF65-F5344CB8AC3E}">
-        <p14:creationId xmlns:p14="http://schemas.microsoft.com/office/powerpoint/2010/main" val="525607550"/>
-      </p:ext>
-    </p:extLst>
-  </p:cSld>
-  <p:clrMapOvr>
-    <a:masterClrMapping/>
-  </p:clrMapOvr>
-</p:sld>
-</file>
-
-<file path=ppt/slides/slide2.xml><?xml version="1.0" encoding="utf-8"?>
+<file path=ppt/slides/slide3.xml><?xml version="1.0" encoding="utf-8"?>
 <p:sld xmlns:a="http://schemas.openxmlformats.org/drawingml/2006/main" xmlns:r="http://schemas.openxmlformats.org/officeDocument/2006/relationships" xmlns:p="http://schemas.openxmlformats.org/presentationml/2006/main">
   <p:cSld>
     <p:bg>
@@ -7769,7 +7736,7 @@
           <p:cNvPr id="2" name="Title 1">
             <a:extLst>
               <a:ext uri="{FF2B5EF4-FFF2-40B4-BE49-F238E27FC236}">
-                <a16:creationId xmlns:a16="http://schemas.microsoft.com/office/drawing/2014/main" id="{1DA264EE-9629-ED82-9C1B-10E0B91FBF76}"/>
+                <a16:creationId xmlns:a16="http://schemas.microsoft.com/office/drawing/2014/main" id="{DF3069D5-E6D1-D740-57C8-9CE2E5DC2464}"/>
               </a:ext>
             </a:extLst>
           </p:cNvPr>
@@ -7794,7 +7761,7 @@
           <a:p>
             <a:r>
               <a:rPr lang="en-CH" sz="5400"/>
-              <a:t>Compromised AWS Credentials</a:t>
+              <a:t>Compromised IAM Role</a:t>
             </a:r>
           </a:p>
         </p:txBody>
@@ -8442,7 +8409,7 @@
           <p:cNvPr id="3" name="Content Placeholder 2">
             <a:extLst>
               <a:ext uri="{FF2B5EF4-FFF2-40B4-BE49-F238E27FC236}">
-                <a16:creationId xmlns:a16="http://schemas.microsoft.com/office/drawing/2014/main" id="{B9C08E14-B63F-5B28-B4BF-80AE09636884}"/>
+                <a16:creationId xmlns:a16="http://schemas.microsoft.com/office/drawing/2014/main" id="{3B3CC521-95CA-F37B-39E6-2A9A9B35C3E7}"/>
               </a:ext>
             </a:extLst>
           </p:cNvPr>
@@ -8467,25 +8434,19 @@
           <a:p>
             <a:r>
               <a:rPr lang="en-GB" sz="2200"/>
-              <a:t>Identify the affected IAM user using GuardDuty </a:t>
+              <a:t>Invalidate temporary credentials by attaching an explicit Deny policy to the affected IAM role with an STS date condition </a:t>
             </a:r>
           </a:p>
           <a:p>
             <a:r>
               <a:rPr lang="en-GB" sz="2200"/>
-              <a:t>Rotate the exposed AWS Credentials </a:t>
+              <a:t>Revoke access for the identity to the linked AD if any </a:t>
             </a:r>
           </a:p>
           <a:p>
             <a:r>
               <a:rPr lang="en-GB" sz="2200"/>
-              <a:t>Invalidate temporary credentials by attaching an explicit Deny policy to the affected IAM user with an STS date condition</a:t>
-            </a:r>
-          </a:p>
-          <a:p>
-            <a:r>
-              <a:rPr lang="en-GB" sz="2200"/>
-              <a:t>Check CloudTrail logs for other unauthorized activity  </a:t>
+              <a:t>Check CloudTrail logs for other unauthorized activity </a:t>
             </a:r>
           </a:p>
           <a:p>
@@ -8506,7 +8467,7 @@
     </p:spTree>
     <p:extLst>
       <p:ext uri="{BB962C8B-B14F-4D97-AF65-F5344CB8AC3E}">
-        <p14:creationId xmlns:p14="http://schemas.microsoft.com/office/powerpoint/2010/main" val="3716563099"/>
+        <p14:creationId xmlns:p14="http://schemas.microsoft.com/office/powerpoint/2010/main" val="263195664"/>
       </p:ext>
     </p:extLst>
   </p:cSld>
@@ -8516,7 +8477,7 @@
 </p:sld>
 </file>
 
-<file path=ppt/slides/slide3.xml><?xml version="1.0" encoding="utf-8"?>
+<file path=ppt/slides/slide4.xml><?xml version="1.0" encoding="utf-8"?>
 <p:sld xmlns:a="http://schemas.openxmlformats.org/drawingml/2006/main" xmlns:r="http://schemas.openxmlformats.org/officeDocument/2006/relationships" xmlns:p="http://schemas.openxmlformats.org/presentationml/2006/main">
   <p:cSld>
     <p:bg>
@@ -8631,7 +8592,7 @@
           <a:p>
             <a:r>
               <a:rPr lang="en-CH" sz="5400"/>
-              <a:t>Compromised IAM Role</a:t>
+              <a:t>Compromised Account</a:t>
             </a:r>
           </a:p>
         </p:txBody>
@@ -9304,837 +9265,6 @@
           <a:p>
             <a:r>
               <a:rPr lang="en-GB" sz="2200"/>
-              <a:t>Invalidate temporary credentials by attaching an explicit Deny policy to the affected IAM role with an STS date condition </a:t>
-            </a:r>
-          </a:p>
-          <a:p>
-            <a:r>
-              <a:rPr lang="en-GB" sz="2200"/>
-              <a:t>Revoke access for the identity to the linked AD if any </a:t>
-            </a:r>
-          </a:p>
-          <a:p>
-            <a:r>
-              <a:rPr lang="en-GB" sz="2200"/>
-              <a:t>Check CloudTrail logs for other unauthorized activity </a:t>
-            </a:r>
-          </a:p>
-          <a:p>
-            <a:r>
-              <a:rPr lang="en-GB" sz="2200"/>
-              <a:t>Review your AWS resources (e.g., delete unauthorized resources) </a:t>
-            </a:r>
-          </a:p>
-          <a:p>
-            <a:r>
-              <a:rPr lang="en-GB" sz="2200"/>
-              <a:t>Verify your AWS account information</a:t>
-            </a:r>
-            <a:endParaRPr lang="en-CH" sz="2200"/>
-          </a:p>
-        </p:txBody>
-      </p:sp>
-    </p:spTree>
-    <p:extLst>
-      <p:ext uri="{BB962C8B-B14F-4D97-AF65-F5344CB8AC3E}">
-        <p14:creationId xmlns:p14="http://schemas.microsoft.com/office/powerpoint/2010/main" val="263195664"/>
-      </p:ext>
-    </p:extLst>
-  </p:cSld>
-  <p:clrMapOvr>
-    <a:masterClrMapping/>
-  </p:clrMapOvr>
-</p:sld>
-</file>
-
-<file path=ppt/slides/slide4.xml><?xml version="1.0" encoding="utf-8"?>
-<p:sld xmlns:a="http://schemas.openxmlformats.org/drawingml/2006/main" xmlns:r="http://schemas.openxmlformats.org/officeDocument/2006/relationships" xmlns:p="http://schemas.openxmlformats.org/presentationml/2006/main">
-  <p:cSld>
-    <p:bg>
-      <p:bgPr>
-        <a:solidFill>
-          <a:schemeClr val="bg1"/>
-        </a:solidFill>
-        <a:effectLst/>
-      </p:bgPr>
-    </p:bg>
-    <p:spTree>
-      <p:nvGrpSpPr>
-        <p:cNvPr id="1" name=""/>
-        <p:cNvGrpSpPr/>
-        <p:nvPr/>
-      </p:nvGrpSpPr>
-      <p:grpSpPr>
-        <a:xfrm>
-          <a:off x="0" y="0"/>
-          <a:ext cx="0" cy="0"/>
-          <a:chOff x="0" y="0"/>
-          <a:chExt cx="0" cy="0"/>
-        </a:xfrm>
-      </p:grpSpPr>
-      <p:sp useBgFill="1">
-        <p:nvSpPr>
-          <p:cNvPr id="8" name="Rectangle 7">
-            <a:extLst>
-              <a:ext uri="{FF2B5EF4-FFF2-40B4-BE49-F238E27FC236}">
-                <a16:creationId xmlns:a16="http://schemas.microsoft.com/office/drawing/2014/main" id="{100EDD19-6802-4EC3-95CE-CFFAB042CFD6}"/>
-              </a:ext>
-              <a:ext uri="{C183D7F6-B498-43B3-948B-1728B52AA6E4}">
-                <adec:decorative xmlns:adec="http://schemas.microsoft.com/office/drawing/2017/decorative" val="1"/>
-              </a:ext>
-            </a:extLst>
-          </p:cNvPr>
-          <p:cNvSpPr>
-            <a:spLocks noGrp="1" noRot="1" noChangeAspect="1" noMove="1" noResize="1" noEditPoints="1" noAdjustHandles="1" noChangeArrowheads="1" noChangeShapeType="1" noTextEdit="1"/>
-          </p:cNvSpPr>
-          <p:nvPr>
-            <p:extLst>
-              <p:ext uri="{386F3935-93C4-4BCD-93E2-E3B085C9AB24}">
-                <p16:designElem xmlns:p16="http://schemas.microsoft.com/office/powerpoint/2015/main" val="1"/>
-              </p:ext>
-            </p:extLst>
-          </p:nvPr>
-        </p:nvSpPr>
-        <p:spPr>
-          <a:xfrm>
-            <a:off x="0" y="0"/>
-            <a:ext cx="12188952" cy="6858000"/>
-          </a:xfrm>
-          <a:prstGeom prst="rect">
-            <a:avLst/>
-          </a:prstGeom>
-          <a:ln>
-            <a:noFill/>
-          </a:ln>
-        </p:spPr>
-        <p:style>
-          <a:lnRef idx="2">
-            <a:schemeClr val="accent1">
-              <a:shade val="50000"/>
-            </a:schemeClr>
-          </a:lnRef>
-          <a:fillRef idx="1">
-            <a:schemeClr val="accent1"/>
-          </a:fillRef>
-          <a:effectRef idx="0">
-            <a:schemeClr val="accent1"/>
-          </a:effectRef>
-          <a:fontRef idx="minor">
-            <a:schemeClr val="lt1"/>
-          </a:fontRef>
-        </p:style>
-        <p:txBody>
-          <a:bodyPr rtlCol="0" anchor="ctr"/>
-          <a:lstStyle/>
-          <a:p>
-            <a:pPr algn="ctr"/>
-            <a:endParaRPr lang="en-US"/>
-          </a:p>
-        </p:txBody>
-      </p:sp>
-      <p:sp>
-        <p:nvSpPr>
-          <p:cNvPr id="2" name="Title 1">
-            <a:extLst>
-              <a:ext uri="{FF2B5EF4-FFF2-40B4-BE49-F238E27FC236}">
-                <a16:creationId xmlns:a16="http://schemas.microsoft.com/office/drawing/2014/main" id="{DF3069D5-E6D1-D740-57C8-9CE2E5DC2464}"/>
-              </a:ext>
-            </a:extLst>
-          </p:cNvPr>
-          <p:cNvSpPr>
-            <a:spLocks noGrp="1"/>
-          </p:cNvSpPr>
-          <p:nvPr>
-            <p:ph type="title"/>
-          </p:nvPr>
-        </p:nvSpPr>
-        <p:spPr>
-          <a:xfrm>
-            <a:off x="838200" y="365125"/>
-            <a:ext cx="10515600" cy="1325563"/>
-          </a:xfrm>
-        </p:spPr>
-        <p:txBody>
-          <a:bodyPr>
-            <a:normAutofit/>
-          </a:bodyPr>
-          <a:lstStyle/>
-          <a:p>
-            <a:r>
-              <a:rPr lang="en-CH" sz="5400"/>
-              <a:t>Compromised Account</a:t>
-            </a:r>
-          </a:p>
-        </p:txBody>
-      </p:sp>
-      <p:sp>
-        <p:nvSpPr>
-          <p:cNvPr id="10" name="sketch line">
-            <a:extLst>
-              <a:ext uri="{FF2B5EF4-FFF2-40B4-BE49-F238E27FC236}">
-                <a16:creationId xmlns:a16="http://schemas.microsoft.com/office/drawing/2014/main" id="{DB17E863-922E-4C26-BD64-E8FD41D28661}"/>
-              </a:ext>
-              <a:ext uri="{C183D7F6-B498-43B3-948B-1728B52AA6E4}">
-                <adec:decorative xmlns:adec="http://schemas.microsoft.com/office/drawing/2017/decorative" val="1"/>
-              </a:ext>
-            </a:extLst>
-          </p:cNvPr>
-          <p:cNvSpPr>
-            <a:spLocks noGrp="1" noRot="1" noChangeAspect="1" noMove="1" noResize="1" noEditPoints="1" noAdjustHandles="1" noChangeArrowheads="1" noChangeShapeType="1" noTextEdit="1"/>
-          </p:cNvSpPr>
-          <p:nvPr>
-            <p:extLst>
-              <p:ext uri="{386F3935-93C4-4BCD-93E2-E3B085C9AB24}">
-                <p16:designElem xmlns:p16="http://schemas.microsoft.com/office/powerpoint/2015/main" val="1"/>
-              </p:ext>
-            </p:extLst>
-          </p:nvPr>
-        </p:nvSpPr>
-        <p:spPr>
-          <a:xfrm>
-            <a:off x="669036" y="1677373"/>
-            <a:ext cx="10853928" cy="18288"/>
-          </a:xfrm>
-          <a:custGeom>
-            <a:avLst/>
-            <a:gdLst>
-              <a:gd name="connsiteX0" fmla="*/ 0 w 10853928"/>
-              <a:gd name="connsiteY0" fmla="*/ 0 h 18288"/>
-              <a:gd name="connsiteX1" fmla="*/ 461292 w 10853928"/>
-              <a:gd name="connsiteY1" fmla="*/ 0 h 18288"/>
-              <a:gd name="connsiteX2" fmla="*/ 1139662 w 10853928"/>
-              <a:gd name="connsiteY2" fmla="*/ 0 h 18288"/>
-              <a:gd name="connsiteX3" fmla="*/ 1926572 w 10853928"/>
-              <a:gd name="connsiteY3" fmla="*/ 0 h 18288"/>
-              <a:gd name="connsiteX4" fmla="*/ 2279325 w 10853928"/>
-              <a:gd name="connsiteY4" fmla="*/ 0 h 18288"/>
-              <a:gd name="connsiteX5" fmla="*/ 2632078 w 10853928"/>
-              <a:gd name="connsiteY5" fmla="*/ 0 h 18288"/>
-              <a:gd name="connsiteX6" fmla="*/ 3527527 w 10853928"/>
-              <a:gd name="connsiteY6" fmla="*/ 0 h 18288"/>
-              <a:gd name="connsiteX7" fmla="*/ 4205897 w 10853928"/>
-              <a:gd name="connsiteY7" fmla="*/ 0 h 18288"/>
-              <a:gd name="connsiteX8" fmla="*/ 4558650 w 10853928"/>
-              <a:gd name="connsiteY8" fmla="*/ 0 h 18288"/>
-              <a:gd name="connsiteX9" fmla="*/ 5237020 w 10853928"/>
-              <a:gd name="connsiteY9" fmla="*/ 0 h 18288"/>
-              <a:gd name="connsiteX10" fmla="*/ 6132469 w 10853928"/>
-              <a:gd name="connsiteY10" fmla="*/ 0 h 18288"/>
-              <a:gd name="connsiteX11" fmla="*/ 6702301 w 10853928"/>
-              <a:gd name="connsiteY11" fmla="*/ 0 h 18288"/>
-              <a:gd name="connsiteX12" fmla="*/ 7272132 w 10853928"/>
-              <a:gd name="connsiteY12" fmla="*/ 0 h 18288"/>
-              <a:gd name="connsiteX13" fmla="*/ 7950502 w 10853928"/>
-              <a:gd name="connsiteY13" fmla="*/ 0 h 18288"/>
-              <a:gd name="connsiteX14" fmla="*/ 8737412 w 10853928"/>
-              <a:gd name="connsiteY14" fmla="*/ 0 h 18288"/>
-              <a:gd name="connsiteX15" fmla="*/ 9524322 w 10853928"/>
-              <a:gd name="connsiteY15" fmla="*/ 0 h 18288"/>
-              <a:gd name="connsiteX16" fmla="*/ 10853928 w 10853928"/>
-              <a:gd name="connsiteY16" fmla="*/ 0 h 18288"/>
-              <a:gd name="connsiteX17" fmla="*/ 10853928 w 10853928"/>
-              <a:gd name="connsiteY17" fmla="*/ 18288 h 18288"/>
-              <a:gd name="connsiteX18" fmla="*/ 10392636 w 10853928"/>
-              <a:gd name="connsiteY18" fmla="*/ 18288 h 18288"/>
-              <a:gd name="connsiteX19" fmla="*/ 9497187 w 10853928"/>
-              <a:gd name="connsiteY19" fmla="*/ 18288 h 18288"/>
-              <a:gd name="connsiteX20" fmla="*/ 8818817 w 10853928"/>
-              <a:gd name="connsiteY20" fmla="*/ 18288 h 18288"/>
-              <a:gd name="connsiteX21" fmla="*/ 8466064 w 10853928"/>
-              <a:gd name="connsiteY21" fmla="*/ 18288 h 18288"/>
-              <a:gd name="connsiteX22" fmla="*/ 7787693 w 10853928"/>
-              <a:gd name="connsiteY22" fmla="*/ 18288 h 18288"/>
-              <a:gd name="connsiteX23" fmla="*/ 7217862 w 10853928"/>
-              <a:gd name="connsiteY23" fmla="*/ 18288 h 18288"/>
-              <a:gd name="connsiteX24" fmla="*/ 6648031 w 10853928"/>
-              <a:gd name="connsiteY24" fmla="*/ 18288 h 18288"/>
-              <a:gd name="connsiteX25" fmla="*/ 6078200 w 10853928"/>
-              <a:gd name="connsiteY25" fmla="*/ 18288 h 18288"/>
-              <a:gd name="connsiteX26" fmla="*/ 5508368 w 10853928"/>
-              <a:gd name="connsiteY26" fmla="*/ 18288 h 18288"/>
-              <a:gd name="connsiteX27" fmla="*/ 4721459 w 10853928"/>
-              <a:gd name="connsiteY27" fmla="*/ 18288 h 18288"/>
-              <a:gd name="connsiteX28" fmla="*/ 4043088 w 10853928"/>
-              <a:gd name="connsiteY28" fmla="*/ 18288 h 18288"/>
-              <a:gd name="connsiteX29" fmla="*/ 3690336 w 10853928"/>
-              <a:gd name="connsiteY29" fmla="*/ 18288 h 18288"/>
-              <a:gd name="connsiteX30" fmla="*/ 3120504 w 10853928"/>
-              <a:gd name="connsiteY30" fmla="*/ 18288 h 18288"/>
-              <a:gd name="connsiteX31" fmla="*/ 2333595 w 10853928"/>
-              <a:gd name="connsiteY31" fmla="*/ 18288 h 18288"/>
-              <a:gd name="connsiteX32" fmla="*/ 1872303 w 10853928"/>
-              <a:gd name="connsiteY32" fmla="*/ 18288 h 18288"/>
-              <a:gd name="connsiteX33" fmla="*/ 976854 w 10853928"/>
-              <a:gd name="connsiteY33" fmla="*/ 18288 h 18288"/>
-              <a:gd name="connsiteX34" fmla="*/ 0 w 10853928"/>
-              <a:gd name="connsiteY34" fmla="*/ 18288 h 18288"/>
-              <a:gd name="connsiteX35" fmla="*/ 0 w 10853928"/>
-              <a:gd name="connsiteY35" fmla="*/ 0 h 18288"/>
-            </a:gdLst>
-            <a:ahLst/>
-            <a:cxnLst>
-              <a:cxn ang="0">
-                <a:pos x="connsiteX0" y="connsiteY0"/>
-              </a:cxn>
-              <a:cxn ang="0">
-                <a:pos x="connsiteX1" y="connsiteY1"/>
-              </a:cxn>
-              <a:cxn ang="0">
-                <a:pos x="connsiteX2" y="connsiteY2"/>
-              </a:cxn>
-              <a:cxn ang="0">
-                <a:pos x="connsiteX3" y="connsiteY3"/>
-              </a:cxn>
-              <a:cxn ang="0">
-                <a:pos x="connsiteX4" y="connsiteY4"/>
-              </a:cxn>
-              <a:cxn ang="0">
-                <a:pos x="connsiteX5" y="connsiteY5"/>
-              </a:cxn>
-              <a:cxn ang="0">
-                <a:pos x="connsiteX6" y="connsiteY6"/>
-              </a:cxn>
-              <a:cxn ang="0">
-                <a:pos x="connsiteX7" y="connsiteY7"/>
-              </a:cxn>
-              <a:cxn ang="0">
-                <a:pos x="connsiteX8" y="connsiteY8"/>
-              </a:cxn>
-              <a:cxn ang="0">
-                <a:pos x="connsiteX9" y="connsiteY9"/>
-              </a:cxn>
-              <a:cxn ang="0">
-                <a:pos x="connsiteX10" y="connsiteY10"/>
-              </a:cxn>
-              <a:cxn ang="0">
-                <a:pos x="connsiteX11" y="connsiteY11"/>
-              </a:cxn>
-              <a:cxn ang="0">
-                <a:pos x="connsiteX12" y="connsiteY12"/>
-              </a:cxn>
-              <a:cxn ang="0">
-                <a:pos x="connsiteX13" y="connsiteY13"/>
-              </a:cxn>
-              <a:cxn ang="0">
-                <a:pos x="connsiteX14" y="connsiteY14"/>
-              </a:cxn>
-              <a:cxn ang="0">
-                <a:pos x="connsiteX15" y="connsiteY15"/>
-              </a:cxn>
-              <a:cxn ang="0">
-                <a:pos x="connsiteX16" y="connsiteY16"/>
-              </a:cxn>
-              <a:cxn ang="0">
-                <a:pos x="connsiteX17" y="connsiteY17"/>
-              </a:cxn>
-              <a:cxn ang="0">
-                <a:pos x="connsiteX18" y="connsiteY18"/>
-              </a:cxn>
-              <a:cxn ang="0">
-                <a:pos x="connsiteX19" y="connsiteY19"/>
-              </a:cxn>
-              <a:cxn ang="0">
-                <a:pos x="connsiteX20" y="connsiteY20"/>
-              </a:cxn>
-              <a:cxn ang="0">
-                <a:pos x="connsiteX21" y="connsiteY21"/>
-              </a:cxn>
-              <a:cxn ang="0">
-                <a:pos x="connsiteX22" y="connsiteY22"/>
-              </a:cxn>
-              <a:cxn ang="0">
-                <a:pos x="connsiteX23" y="connsiteY23"/>
-              </a:cxn>
-              <a:cxn ang="0">
-                <a:pos x="connsiteX24" y="connsiteY24"/>
-              </a:cxn>
-              <a:cxn ang="0">
-                <a:pos x="connsiteX25" y="connsiteY25"/>
-              </a:cxn>
-              <a:cxn ang="0">
-                <a:pos x="connsiteX26" y="connsiteY26"/>
-              </a:cxn>
-              <a:cxn ang="0">
-                <a:pos x="connsiteX27" y="connsiteY27"/>
-              </a:cxn>
-              <a:cxn ang="0">
-                <a:pos x="connsiteX28" y="connsiteY28"/>
-              </a:cxn>
-              <a:cxn ang="0">
-                <a:pos x="connsiteX29" y="connsiteY29"/>
-              </a:cxn>
-              <a:cxn ang="0">
-                <a:pos x="connsiteX30" y="connsiteY30"/>
-              </a:cxn>
-              <a:cxn ang="0">
-                <a:pos x="connsiteX31" y="connsiteY31"/>
-              </a:cxn>
-              <a:cxn ang="0">
-                <a:pos x="connsiteX32" y="connsiteY32"/>
-              </a:cxn>
-              <a:cxn ang="0">
-                <a:pos x="connsiteX33" y="connsiteY33"/>
-              </a:cxn>
-              <a:cxn ang="0">
-                <a:pos x="connsiteX34" y="connsiteY34"/>
-              </a:cxn>
-              <a:cxn ang="0">
-                <a:pos x="connsiteX35" y="connsiteY35"/>
-              </a:cxn>
-            </a:cxnLst>
-            <a:rect l="l" t="t" r="r" b="b"/>
-            <a:pathLst>
-              <a:path w="10853928" h="18288" fill="none" extrusionOk="0">
-                <a:moveTo>
-                  <a:pt x="0" y="0"/>
-                </a:moveTo>
-                <a:cubicBezTo>
-                  <a:pt x="146993" y="-19076"/>
-                  <a:pt x="347684" y="-4790"/>
-                  <a:pt x="461292" y="0"/>
-                </a:cubicBezTo>
-                <a:cubicBezTo>
-                  <a:pt x="574900" y="4790"/>
-                  <a:pt x="808367" y="19821"/>
-                  <a:pt x="1139662" y="0"/>
-                </a:cubicBezTo>
-                <a:cubicBezTo>
-                  <a:pt x="1470957" y="-19821"/>
-                  <a:pt x="1627405" y="5721"/>
-                  <a:pt x="1926572" y="0"/>
-                </a:cubicBezTo>
-                <a:cubicBezTo>
-                  <a:pt x="2225739" y="-5721"/>
-                  <a:pt x="2137730" y="-3235"/>
-                  <a:pt x="2279325" y="0"/>
-                </a:cubicBezTo>
-                <a:cubicBezTo>
-                  <a:pt x="2420920" y="3235"/>
-                  <a:pt x="2456518" y="9685"/>
-                  <a:pt x="2632078" y="0"/>
-                </a:cubicBezTo>
-                <a:cubicBezTo>
-                  <a:pt x="2807638" y="-9685"/>
-                  <a:pt x="3211516" y="-43007"/>
-                  <a:pt x="3527527" y="0"/>
-                </a:cubicBezTo>
-                <a:cubicBezTo>
-                  <a:pt x="3843538" y="43007"/>
-                  <a:pt x="4058833" y="22042"/>
-                  <a:pt x="4205897" y="0"/>
-                </a:cubicBezTo>
-                <a:cubicBezTo>
-                  <a:pt x="4352961" y="-22042"/>
-                  <a:pt x="4474805" y="-11846"/>
-                  <a:pt x="4558650" y="0"/>
-                </a:cubicBezTo>
-                <a:cubicBezTo>
-                  <a:pt x="4642495" y="11846"/>
-                  <a:pt x="5041928" y="-6069"/>
-                  <a:pt x="5237020" y="0"/>
-                </a:cubicBezTo>
-                <a:cubicBezTo>
-                  <a:pt x="5432112" y="6069"/>
-                  <a:pt x="5943266" y="-17479"/>
-                  <a:pt x="6132469" y="0"/>
-                </a:cubicBezTo>
-                <a:cubicBezTo>
-                  <a:pt x="6321672" y="17479"/>
-                  <a:pt x="6483872" y="26234"/>
-                  <a:pt x="6702301" y="0"/>
-                </a:cubicBezTo>
-                <a:cubicBezTo>
-                  <a:pt x="6920730" y="-26234"/>
-                  <a:pt x="6991194" y="-15156"/>
-                  <a:pt x="7272132" y="0"/>
-                </a:cubicBezTo>
-                <a:cubicBezTo>
-                  <a:pt x="7553070" y="15156"/>
-                  <a:pt x="7684444" y="-32961"/>
-                  <a:pt x="7950502" y="0"/>
-                </a:cubicBezTo>
-                <a:cubicBezTo>
-                  <a:pt x="8216560" y="32961"/>
-                  <a:pt x="8493290" y="-10491"/>
-                  <a:pt x="8737412" y="0"/>
-                </a:cubicBezTo>
-                <a:cubicBezTo>
-                  <a:pt x="8981534" y="10491"/>
-                  <a:pt x="9191586" y="-13899"/>
-                  <a:pt x="9524322" y="0"/>
-                </a:cubicBezTo>
-                <a:cubicBezTo>
-                  <a:pt x="9857058" y="13899"/>
-                  <a:pt x="10297509" y="7485"/>
-                  <a:pt x="10853928" y="0"/>
-                </a:cubicBezTo>
-                <a:cubicBezTo>
-                  <a:pt x="10854574" y="4451"/>
-                  <a:pt x="10854418" y="9226"/>
-                  <a:pt x="10853928" y="18288"/>
-                </a:cubicBezTo>
-                <a:cubicBezTo>
-                  <a:pt x="10691638" y="28522"/>
-                  <a:pt x="10574319" y="29578"/>
-                  <a:pt x="10392636" y="18288"/>
-                </a:cubicBezTo>
-                <a:cubicBezTo>
-                  <a:pt x="10210953" y="6998"/>
-                  <a:pt x="9836277" y="-16742"/>
-                  <a:pt x="9497187" y="18288"/>
-                </a:cubicBezTo>
-                <a:cubicBezTo>
-                  <a:pt x="9158097" y="53318"/>
-                  <a:pt x="9119479" y="30714"/>
-                  <a:pt x="8818817" y="18288"/>
-                </a:cubicBezTo>
-                <a:cubicBezTo>
-                  <a:pt x="8518155" y="5863"/>
-                  <a:pt x="8640037" y="6483"/>
-                  <a:pt x="8466064" y="18288"/>
-                </a:cubicBezTo>
-                <a:cubicBezTo>
-                  <a:pt x="8292091" y="30093"/>
-                  <a:pt x="7997656" y="18914"/>
-                  <a:pt x="7787693" y="18288"/>
-                </a:cubicBezTo>
-                <a:cubicBezTo>
-                  <a:pt x="7577730" y="17662"/>
-                  <a:pt x="7412468" y="21416"/>
-                  <a:pt x="7217862" y="18288"/>
-                </a:cubicBezTo>
-                <a:cubicBezTo>
-                  <a:pt x="7023256" y="15160"/>
-                  <a:pt x="6898018" y="14824"/>
-                  <a:pt x="6648031" y="18288"/>
-                </a:cubicBezTo>
-                <a:cubicBezTo>
-                  <a:pt x="6398044" y="21752"/>
-                  <a:pt x="6254402" y="38625"/>
-                  <a:pt x="6078200" y="18288"/>
-                </a:cubicBezTo>
-                <a:cubicBezTo>
-                  <a:pt x="5901998" y="-2049"/>
-                  <a:pt x="5622886" y="3213"/>
-                  <a:pt x="5508368" y="18288"/>
-                </a:cubicBezTo>
-                <a:cubicBezTo>
-                  <a:pt x="5393850" y="33363"/>
-                  <a:pt x="5036260" y="26830"/>
-                  <a:pt x="4721459" y="18288"/>
-                </a:cubicBezTo>
-                <a:cubicBezTo>
-                  <a:pt x="4406658" y="9746"/>
-                  <a:pt x="4239221" y="41551"/>
-                  <a:pt x="4043088" y="18288"/>
-                </a:cubicBezTo>
-                <a:cubicBezTo>
-                  <a:pt x="3846955" y="-4975"/>
-                  <a:pt x="3818802" y="34658"/>
-                  <a:pt x="3690336" y="18288"/>
-                </a:cubicBezTo>
-                <a:cubicBezTo>
-                  <a:pt x="3561870" y="1918"/>
-                  <a:pt x="3265491" y="42194"/>
-                  <a:pt x="3120504" y="18288"/>
-                </a:cubicBezTo>
-                <a:cubicBezTo>
-                  <a:pt x="2975517" y="-5618"/>
-                  <a:pt x="2720254" y="36673"/>
-                  <a:pt x="2333595" y="18288"/>
-                </a:cubicBezTo>
-                <a:cubicBezTo>
-                  <a:pt x="1946936" y="-97"/>
-                  <a:pt x="2097241" y="5776"/>
-                  <a:pt x="1872303" y="18288"/>
-                </a:cubicBezTo>
-                <a:cubicBezTo>
-                  <a:pt x="1647365" y="30800"/>
-                  <a:pt x="1282708" y="45380"/>
-                  <a:pt x="976854" y="18288"/>
-                </a:cubicBezTo>
-                <a:cubicBezTo>
-                  <a:pt x="671000" y="-8804"/>
-                  <a:pt x="408401" y="-12775"/>
-                  <a:pt x="0" y="18288"/>
-                </a:cubicBezTo>
-                <a:cubicBezTo>
-                  <a:pt x="-213" y="9468"/>
-                  <a:pt x="187" y="4459"/>
-                  <a:pt x="0" y="0"/>
-                </a:cubicBezTo>
-                <a:close/>
-              </a:path>
-              <a:path w="10853928" h="18288" stroke="0" extrusionOk="0">
-                <a:moveTo>
-                  <a:pt x="0" y="0"/>
-                </a:moveTo>
-                <a:cubicBezTo>
-                  <a:pt x="267322" y="15284"/>
-                  <a:pt x="415388" y="-21048"/>
-                  <a:pt x="569831" y="0"/>
-                </a:cubicBezTo>
-                <a:cubicBezTo>
-                  <a:pt x="724274" y="21048"/>
-                  <a:pt x="769333" y="-2353"/>
-                  <a:pt x="922584" y="0"/>
-                </a:cubicBezTo>
-                <a:cubicBezTo>
-                  <a:pt x="1075835" y="2353"/>
-                  <a:pt x="1399490" y="-145"/>
-                  <a:pt x="1818033" y="0"/>
-                </a:cubicBezTo>
-                <a:cubicBezTo>
-                  <a:pt x="2236576" y="145"/>
-                  <a:pt x="2145330" y="5482"/>
-                  <a:pt x="2387864" y="0"/>
-                </a:cubicBezTo>
-                <a:cubicBezTo>
-                  <a:pt x="2630398" y="-5482"/>
-                  <a:pt x="2793207" y="18487"/>
-                  <a:pt x="2957695" y="0"/>
-                </a:cubicBezTo>
-                <a:cubicBezTo>
-                  <a:pt x="3122183" y="-18487"/>
-                  <a:pt x="3579141" y="19003"/>
-                  <a:pt x="3853144" y="0"/>
-                </a:cubicBezTo>
-                <a:cubicBezTo>
-                  <a:pt x="4127147" y="-19003"/>
-                  <a:pt x="4209857" y="12211"/>
-                  <a:pt x="4314436" y="0"/>
-                </a:cubicBezTo>
-                <a:cubicBezTo>
-                  <a:pt x="4419015" y="-12211"/>
-                  <a:pt x="4762459" y="-17220"/>
-                  <a:pt x="5209885" y="0"/>
-                </a:cubicBezTo>
-                <a:cubicBezTo>
-                  <a:pt x="5657311" y="17220"/>
-                  <a:pt x="5692663" y="-3290"/>
-                  <a:pt x="6105335" y="0"/>
-                </a:cubicBezTo>
-                <a:cubicBezTo>
-                  <a:pt x="6518007" y="3290"/>
-                  <a:pt x="6455516" y="-5124"/>
-                  <a:pt x="6783705" y="0"/>
-                </a:cubicBezTo>
-                <a:cubicBezTo>
-                  <a:pt x="7111894" y="5124"/>
-                  <a:pt x="7441941" y="-17829"/>
-                  <a:pt x="7679154" y="0"/>
-                </a:cubicBezTo>
-                <a:cubicBezTo>
-                  <a:pt x="7916367" y="17829"/>
-                  <a:pt x="8102967" y="-24363"/>
-                  <a:pt x="8248985" y="0"/>
-                </a:cubicBezTo>
-                <a:cubicBezTo>
-                  <a:pt x="8395003" y="24363"/>
-                  <a:pt x="8552393" y="25505"/>
-                  <a:pt x="8818817" y="0"/>
-                </a:cubicBezTo>
-                <a:cubicBezTo>
-                  <a:pt x="9085241" y="-25505"/>
-                  <a:pt x="9411308" y="38000"/>
-                  <a:pt x="9605726" y="0"/>
-                </a:cubicBezTo>
-                <a:cubicBezTo>
-                  <a:pt x="9800144" y="-38000"/>
-                  <a:pt x="10006468" y="-25741"/>
-                  <a:pt x="10175558" y="0"/>
-                </a:cubicBezTo>
-                <a:cubicBezTo>
-                  <a:pt x="10344648" y="25741"/>
-                  <a:pt x="10696282" y="695"/>
-                  <a:pt x="10853928" y="0"/>
-                </a:cubicBezTo>
-                <a:cubicBezTo>
-                  <a:pt x="10853521" y="8690"/>
-                  <a:pt x="10853774" y="14141"/>
-                  <a:pt x="10853928" y="18288"/>
-                </a:cubicBezTo>
-                <a:cubicBezTo>
-                  <a:pt x="10608124" y="24255"/>
-                  <a:pt x="10343415" y="22307"/>
-                  <a:pt x="10067018" y="18288"/>
-                </a:cubicBezTo>
-                <a:cubicBezTo>
-                  <a:pt x="9790621" y="14270"/>
-                  <a:pt x="9843266" y="3564"/>
-                  <a:pt x="9714266" y="18288"/>
-                </a:cubicBezTo>
-                <a:cubicBezTo>
-                  <a:pt x="9585266" y="33012"/>
-                  <a:pt x="9379484" y="1875"/>
-                  <a:pt x="9252974" y="18288"/>
-                </a:cubicBezTo>
-                <a:cubicBezTo>
-                  <a:pt x="9126464" y="34701"/>
-                  <a:pt x="8580678" y="-4904"/>
-                  <a:pt x="8357525" y="18288"/>
-                </a:cubicBezTo>
-                <a:cubicBezTo>
-                  <a:pt x="8134372" y="41480"/>
-                  <a:pt x="7903199" y="26458"/>
-                  <a:pt x="7679154" y="18288"/>
-                </a:cubicBezTo>
-                <a:cubicBezTo>
-                  <a:pt x="7455109" y="10118"/>
-                  <a:pt x="7435944" y="27109"/>
-                  <a:pt x="7217862" y="18288"/>
-                </a:cubicBezTo>
-                <a:cubicBezTo>
-                  <a:pt x="6999780" y="9467"/>
-                  <a:pt x="6680409" y="18985"/>
-                  <a:pt x="6539492" y="18288"/>
-                </a:cubicBezTo>
-                <a:cubicBezTo>
-                  <a:pt x="6398575" y="17592"/>
-                  <a:pt x="6312077" y="33018"/>
-                  <a:pt x="6186739" y="18288"/>
-                </a:cubicBezTo>
-                <a:cubicBezTo>
-                  <a:pt x="6061401" y="3558"/>
-                  <a:pt x="5947033" y="12075"/>
-                  <a:pt x="5833986" y="18288"/>
-                </a:cubicBezTo>
-                <a:cubicBezTo>
-                  <a:pt x="5720939" y="24501"/>
-                  <a:pt x="5482226" y="8586"/>
-                  <a:pt x="5155616" y="18288"/>
-                </a:cubicBezTo>
-                <a:cubicBezTo>
-                  <a:pt x="4829006" y="27991"/>
-                  <a:pt x="4841274" y="29316"/>
-                  <a:pt x="4694324" y="18288"/>
-                </a:cubicBezTo>
-                <a:cubicBezTo>
-                  <a:pt x="4547374" y="7260"/>
-                  <a:pt x="4077675" y="7013"/>
-                  <a:pt x="3907414" y="18288"/>
-                </a:cubicBezTo>
-                <a:cubicBezTo>
-                  <a:pt x="3737153" y="29564"/>
-                  <a:pt x="3538393" y="21630"/>
-                  <a:pt x="3446122" y="18288"/>
-                </a:cubicBezTo>
-                <a:cubicBezTo>
-                  <a:pt x="3353851" y="14946"/>
-                  <a:pt x="2990320" y="-8091"/>
-                  <a:pt x="2659212" y="18288"/>
-                </a:cubicBezTo>
-                <a:cubicBezTo>
-                  <a:pt x="2328104" y="44667"/>
-                  <a:pt x="2427653" y="9607"/>
-                  <a:pt x="2306460" y="18288"/>
-                </a:cubicBezTo>
-                <a:cubicBezTo>
-                  <a:pt x="2185267" y="26969"/>
-                  <a:pt x="1719763" y="3717"/>
-                  <a:pt x="1519550" y="18288"/>
-                </a:cubicBezTo>
-                <a:cubicBezTo>
-                  <a:pt x="1319337" y="32860"/>
-                  <a:pt x="1167371" y="17040"/>
-                  <a:pt x="1058258" y="18288"/>
-                </a:cubicBezTo>
-                <a:cubicBezTo>
-                  <a:pt x="949145" y="19536"/>
-                  <a:pt x="780234" y="31447"/>
-                  <a:pt x="705505" y="18288"/>
-                </a:cubicBezTo>
-                <a:cubicBezTo>
-                  <a:pt x="630776" y="5129"/>
-                  <a:pt x="215796" y="30056"/>
-                  <a:pt x="0" y="18288"/>
-                </a:cubicBezTo>
-                <a:cubicBezTo>
-                  <a:pt x="-53" y="11301"/>
-                  <a:pt x="-649" y="7756"/>
-                  <a:pt x="0" y="0"/>
-                </a:cubicBezTo>
-                <a:close/>
-              </a:path>
-            </a:pathLst>
-          </a:custGeom>
-          <a:solidFill>
-            <a:schemeClr val="accent2"/>
-          </a:solidFill>
-          <a:ln w="41275" cap="rnd">
-            <a:solidFill>
-              <a:schemeClr val="accent2"/>
-            </a:solidFill>
-            <a:round/>
-            <a:extLst>
-              <a:ext uri="{C807C97D-BFC1-408E-A445-0C87EB9F89A2}">
-                <ask:lineSketchStyleProps xmlns:ask="http://schemas.microsoft.com/office/drawing/2018/sketchyshapes" sd="1219033472">
-                  <a:prstGeom prst="rect">
-                    <a:avLst/>
-                  </a:prstGeom>
-                  <ask:type>
-                    <ask:lineSketchFreehand/>
-                  </ask:type>
-                </ask:lineSketchStyleProps>
-              </a:ext>
-            </a:extLst>
-          </a:ln>
-        </p:spPr>
-        <p:style>
-          <a:lnRef idx="2">
-            <a:schemeClr val="accent1">
-              <a:shade val="50000"/>
-            </a:schemeClr>
-          </a:lnRef>
-          <a:fillRef idx="1">
-            <a:schemeClr val="accent1"/>
-          </a:fillRef>
-          <a:effectRef idx="0">
-            <a:schemeClr val="accent1"/>
-          </a:effectRef>
-          <a:fontRef idx="minor">
-            <a:schemeClr val="lt1"/>
-          </a:fontRef>
-        </p:style>
-        <p:txBody>
-          <a:bodyPr rtlCol="0" anchor="ctr"/>
-          <a:lstStyle/>
-          <a:p>
-            <a:pPr algn="ctr"/>
-            <a:endParaRPr lang="en-US"/>
-          </a:p>
-        </p:txBody>
-      </p:sp>
-      <p:sp>
-        <p:nvSpPr>
-          <p:cNvPr id="3" name="Content Placeholder 2">
-            <a:extLst>
-              <a:ext uri="{FF2B5EF4-FFF2-40B4-BE49-F238E27FC236}">
-                <a16:creationId xmlns:a16="http://schemas.microsoft.com/office/drawing/2014/main" id="{3B3CC521-95CA-F37B-39E6-2A9A9B35C3E7}"/>
-              </a:ext>
-            </a:extLst>
-          </p:cNvPr>
-          <p:cNvSpPr>
-            <a:spLocks noGrp="1"/>
-          </p:cNvSpPr>
-          <p:nvPr>
-            <p:ph idx="1"/>
-          </p:nvPr>
-        </p:nvSpPr>
-        <p:spPr>
-          <a:xfrm>
-            <a:off x="838200" y="1929384"/>
-            <a:ext cx="10515600" cy="4251960"/>
-          </a:xfrm>
-        </p:spPr>
-        <p:txBody>
-          <a:bodyPr>
-            <a:normAutofit/>
-          </a:bodyPr>
-          <a:lstStyle/>
-          <a:p>
-            <a:r>
-              <a:rPr lang="en-GB" sz="2200"/>
               <a:t>Rotate and delete exposed AWS Access Keys </a:t>
             </a:r>
           </a:p>
@@ -11938,89 +11068,6 @@
 </file>
 
 <file path=ppt/slides/slide8.xml><?xml version="1.0" encoding="utf-8"?>
-<p:sld xmlns:a="http://schemas.openxmlformats.org/drawingml/2006/main" xmlns:r="http://schemas.openxmlformats.org/officeDocument/2006/relationships" xmlns:p="http://schemas.openxmlformats.org/presentationml/2006/main">
-  <p:cSld>
-    <p:spTree>
-      <p:nvGrpSpPr>
-        <p:cNvPr id="1" name=""/>
-        <p:cNvGrpSpPr/>
-        <p:nvPr/>
-      </p:nvGrpSpPr>
-      <p:grpSpPr>
-        <a:xfrm>
-          <a:off x="0" y="0"/>
-          <a:ext cx="0" cy="0"/>
-          <a:chOff x="0" y="0"/>
-          <a:chExt cx="0" cy="0"/>
-        </a:xfrm>
-      </p:grpSpPr>
-      <p:sp>
-        <p:nvSpPr>
-          <p:cNvPr id="2" name="Title 1">
-            <a:extLst>
-              <a:ext uri="{FF2B5EF4-FFF2-40B4-BE49-F238E27FC236}">
-                <a16:creationId xmlns:a16="http://schemas.microsoft.com/office/drawing/2014/main" id="{77737F53-83C3-02EE-4A0F-6A6527BDB56B}"/>
-              </a:ext>
-            </a:extLst>
-          </p:cNvPr>
-          <p:cNvSpPr>
-            <a:spLocks noGrp="1"/>
-          </p:cNvSpPr>
-          <p:nvPr>
-            <p:ph type="title"/>
-          </p:nvPr>
-        </p:nvSpPr>
-        <p:spPr/>
-        <p:txBody>
-          <a:bodyPr/>
-          <a:lstStyle/>
-          <a:p>
-            <a:r>
-              <a:rPr lang="en-CH" dirty="0"/>
-              <a:t>Key Pair</a:t>
-            </a:r>
-          </a:p>
-        </p:txBody>
-      </p:sp>
-      <p:sp>
-        <p:nvSpPr>
-          <p:cNvPr id="3" name="Content Placeholder 2">
-            <a:extLst>
-              <a:ext uri="{FF2B5EF4-FFF2-40B4-BE49-F238E27FC236}">
-                <a16:creationId xmlns:a16="http://schemas.microsoft.com/office/drawing/2014/main" id="{C8A4B43F-D986-77FA-5BD5-87E24C3E1AA5}"/>
-              </a:ext>
-            </a:extLst>
-          </p:cNvPr>
-          <p:cNvSpPr>
-            <a:spLocks noGrp="1"/>
-          </p:cNvSpPr>
-          <p:nvPr>
-            <p:ph idx="1"/>
-          </p:nvPr>
-        </p:nvSpPr>
-        <p:spPr/>
-        <p:txBody>
-          <a:bodyPr/>
-          <a:lstStyle/>
-          <a:p>
-            <a:endParaRPr lang="en-CH" dirty="0"/>
-          </a:p>
-        </p:txBody>
-      </p:sp>
-    </p:spTree>
-    <p:extLst>
-      <p:ext uri="{BB962C8B-B14F-4D97-AF65-F5344CB8AC3E}">
-        <p14:creationId xmlns:p14="http://schemas.microsoft.com/office/powerpoint/2010/main" val="604267977"/>
-      </p:ext>
-    </p:extLst>
-  </p:cSld>
-  <p:clrMapOvr>
-    <a:masterClrMapping/>
-  </p:clrMapOvr>
-</p:sld>
-</file>
-
-<file path=ppt/slides/slide9.xml><?xml version="1.0" encoding="utf-8"?>
 <p:sld xmlns:a="http://schemas.openxmlformats.org/drawingml/2006/main" xmlns:r="http://schemas.openxmlformats.org/officeDocument/2006/relationships" xmlns:p="http://schemas.openxmlformats.org/presentationml/2006/main">
   <p:cSld>
     <p:bg>
@@ -12898,6 +11945,892 @@
     <p:extLst>
       <p:ext uri="{BB962C8B-B14F-4D97-AF65-F5344CB8AC3E}">
         <p14:creationId xmlns:p14="http://schemas.microsoft.com/office/powerpoint/2010/main" val="615709054"/>
+      </p:ext>
+    </p:extLst>
+  </p:cSld>
+  <p:clrMapOvr>
+    <a:masterClrMapping/>
+  </p:clrMapOvr>
+</p:sld>
+</file>
+
+<file path=ppt/slides/slide9.xml><?xml version="1.0" encoding="utf-8"?>
+<p:sld xmlns:a="http://schemas.openxmlformats.org/drawingml/2006/main" xmlns:r="http://schemas.openxmlformats.org/officeDocument/2006/relationships" xmlns:p="http://schemas.openxmlformats.org/presentationml/2006/main">
+  <p:cSld>
+    <p:bg>
+      <p:bgPr>
+        <a:solidFill>
+          <a:schemeClr val="bg1"/>
+        </a:solidFill>
+        <a:effectLst/>
+      </p:bgPr>
+    </p:bg>
+    <p:spTree>
+      <p:nvGrpSpPr>
+        <p:cNvPr id="1" name=""/>
+        <p:cNvGrpSpPr/>
+        <p:nvPr/>
+      </p:nvGrpSpPr>
+      <p:grpSpPr>
+        <a:xfrm>
+          <a:off x="0" y="0"/>
+          <a:ext cx="0" cy="0"/>
+          <a:chOff x="0" y="0"/>
+          <a:chExt cx="0" cy="0"/>
+        </a:xfrm>
+      </p:grpSpPr>
+      <p:sp useBgFill="1">
+        <p:nvSpPr>
+          <p:cNvPr id="8" name="Rectangle 7">
+            <a:extLst>
+              <a:ext uri="{FF2B5EF4-FFF2-40B4-BE49-F238E27FC236}">
+                <a16:creationId xmlns:a16="http://schemas.microsoft.com/office/drawing/2014/main" id="{100EDD19-6802-4EC3-95CE-CFFAB042CFD6}"/>
+              </a:ext>
+              <a:ext uri="{C183D7F6-B498-43B3-948B-1728B52AA6E4}">
+                <adec:decorative xmlns:adec="http://schemas.microsoft.com/office/drawing/2017/decorative" val="1"/>
+              </a:ext>
+            </a:extLst>
+          </p:cNvPr>
+          <p:cNvSpPr>
+            <a:spLocks noGrp="1" noRot="1" noChangeAspect="1" noMove="1" noResize="1" noEditPoints="1" noAdjustHandles="1" noChangeArrowheads="1" noChangeShapeType="1" noTextEdit="1"/>
+          </p:cNvSpPr>
+          <p:nvPr>
+            <p:extLst>
+              <p:ext uri="{386F3935-93C4-4BCD-93E2-E3B085C9AB24}">
+                <p16:designElem xmlns:p16="http://schemas.microsoft.com/office/powerpoint/2015/main" val="1"/>
+              </p:ext>
+            </p:extLst>
+          </p:nvPr>
+        </p:nvSpPr>
+        <p:spPr>
+          <a:xfrm>
+            <a:off x="0" y="0"/>
+            <a:ext cx="12188952" cy="6858000"/>
+          </a:xfrm>
+          <a:prstGeom prst="rect">
+            <a:avLst/>
+          </a:prstGeom>
+          <a:ln>
+            <a:noFill/>
+          </a:ln>
+        </p:spPr>
+        <p:style>
+          <a:lnRef idx="2">
+            <a:schemeClr val="accent1">
+              <a:shade val="50000"/>
+            </a:schemeClr>
+          </a:lnRef>
+          <a:fillRef idx="1">
+            <a:schemeClr val="accent1"/>
+          </a:fillRef>
+          <a:effectRef idx="0">
+            <a:schemeClr val="accent1"/>
+          </a:effectRef>
+          <a:fontRef idx="minor">
+            <a:schemeClr val="lt1"/>
+          </a:fontRef>
+        </p:style>
+        <p:txBody>
+          <a:bodyPr rtlCol="0" anchor="ctr"/>
+          <a:lstStyle/>
+          <a:p>
+            <a:pPr algn="ctr"/>
+            <a:endParaRPr lang="en-US"/>
+          </a:p>
+        </p:txBody>
+      </p:sp>
+      <p:sp>
+        <p:nvSpPr>
+          <p:cNvPr id="2" name="Title 1">
+            <a:extLst>
+              <a:ext uri="{FF2B5EF4-FFF2-40B4-BE49-F238E27FC236}">
+                <a16:creationId xmlns:a16="http://schemas.microsoft.com/office/drawing/2014/main" id="{41F401C1-CBD7-4D8E-F2F7-EE29E31FFD0C}"/>
+              </a:ext>
+            </a:extLst>
+          </p:cNvPr>
+          <p:cNvSpPr>
+            <a:spLocks noGrp="1"/>
+          </p:cNvSpPr>
+          <p:nvPr>
+            <p:ph type="title"/>
+          </p:nvPr>
+        </p:nvSpPr>
+        <p:spPr>
+          <a:xfrm>
+            <a:off x="838200" y="365125"/>
+            <a:ext cx="10515600" cy="1325563"/>
+          </a:xfrm>
+        </p:spPr>
+        <p:txBody>
+          <a:bodyPr>
+            <a:normAutofit/>
+          </a:bodyPr>
+          <a:lstStyle/>
+          <a:p>
+            <a:r>
+              <a:rPr lang="en-CH" sz="5400"/>
+              <a:t>Ec2 Instance Metadata - IMDS</a:t>
+            </a:r>
+          </a:p>
+        </p:txBody>
+      </p:sp>
+      <p:sp>
+        <p:nvSpPr>
+          <p:cNvPr id="10" name="sketch line">
+            <a:extLst>
+              <a:ext uri="{FF2B5EF4-FFF2-40B4-BE49-F238E27FC236}">
+                <a16:creationId xmlns:a16="http://schemas.microsoft.com/office/drawing/2014/main" id="{DB17E863-922E-4C26-BD64-E8FD41D28661}"/>
+              </a:ext>
+              <a:ext uri="{C183D7F6-B498-43B3-948B-1728B52AA6E4}">
+                <adec:decorative xmlns:adec="http://schemas.microsoft.com/office/drawing/2017/decorative" val="1"/>
+              </a:ext>
+            </a:extLst>
+          </p:cNvPr>
+          <p:cNvSpPr>
+            <a:spLocks noGrp="1" noRot="1" noChangeAspect="1" noMove="1" noResize="1" noEditPoints="1" noAdjustHandles="1" noChangeArrowheads="1" noChangeShapeType="1" noTextEdit="1"/>
+          </p:cNvSpPr>
+          <p:nvPr>
+            <p:extLst>
+              <p:ext uri="{386F3935-93C4-4BCD-93E2-E3B085C9AB24}">
+                <p16:designElem xmlns:p16="http://schemas.microsoft.com/office/powerpoint/2015/main" val="1"/>
+              </p:ext>
+            </p:extLst>
+          </p:nvPr>
+        </p:nvSpPr>
+        <p:spPr>
+          <a:xfrm>
+            <a:off x="669036" y="1677373"/>
+            <a:ext cx="10853928" cy="18288"/>
+          </a:xfrm>
+          <a:custGeom>
+            <a:avLst/>
+            <a:gdLst>
+              <a:gd name="connsiteX0" fmla="*/ 0 w 10853928"/>
+              <a:gd name="connsiteY0" fmla="*/ 0 h 18288"/>
+              <a:gd name="connsiteX1" fmla="*/ 461292 w 10853928"/>
+              <a:gd name="connsiteY1" fmla="*/ 0 h 18288"/>
+              <a:gd name="connsiteX2" fmla="*/ 1139662 w 10853928"/>
+              <a:gd name="connsiteY2" fmla="*/ 0 h 18288"/>
+              <a:gd name="connsiteX3" fmla="*/ 1926572 w 10853928"/>
+              <a:gd name="connsiteY3" fmla="*/ 0 h 18288"/>
+              <a:gd name="connsiteX4" fmla="*/ 2279325 w 10853928"/>
+              <a:gd name="connsiteY4" fmla="*/ 0 h 18288"/>
+              <a:gd name="connsiteX5" fmla="*/ 2632078 w 10853928"/>
+              <a:gd name="connsiteY5" fmla="*/ 0 h 18288"/>
+              <a:gd name="connsiteX6" fmla="*/ 3527527 w 10853928"/>
+              <a:gd name="connsiteY6" fmla="*/ 0 h 18288"/>
+              <a:gd name="connsiteX7" fmla="*/ 4205897 w 10853928"/>
+              <a:gd name="connsiteY7" fmla="*/ 0 h 18288"/>
+              <a:gd name="connsiteX8" fmla="*/ 4558650 w 10853928"/>
+              <a:gd name="connsiteY8" fmla="*/ 0 h 18288"/>
+              <a:gd name="connsiteX9" fmla="*/ 5237020 w 10853928"/>
+              <a:gd name="connsiteY9" fmla="*/ 0 h 18288"/>
+              <a:gd name="connsiteX10" fmla="*/ 6132469 w 10853928"/>
+              <a:gd name="connsiteY10" fmla="*/ 0 h 18288"/>
+              <a:gd name="connsiteX11" fmla="*/ 6702301 w 10853928"/>
+              <a:gd name="connsiteY11" fmla="*/ 0 h 18288"/>
+              <a:gd name="connsiteX12" fmla="*/ 7272132 w 10853928"/>
+              <a:gd name="connsiteY12" fmla="*/ 0 h 18288"/>
+              <a:gd name="connsiteX13" fmla="*/ 7950502 w 10853928"/>
+              <a:gd name="connsiteY13" fmla="*/ 0 h 18288"/>
+              <a:gd name="connsiteX14" fmla="*/ 8737412 w 10853928"/>
+              <a:gd name="connsiteY14" fmla="*/ 0 h 18288"/>
+              <a:gd name="connsiteX15" fmla="*/ 9524322 w 10853928"/>
+              <a:gd name="connsiteY15" fmla="*/ 0 h 18288"/>
+              <a:gd name="connsiteX16" fmla="*/ 10853928 w 10853928"/>
+              <a:gd name="connsiteY16" fmla="*/ 0 h 18288"/>
+              <a:gd name="connsiteX17" fmla="*/ 10853928 w 10853928"/>
+              <a:gd name="connsiteY17" fmla="*/ 18288 h 18288"/>
+              <a:gd name="connsiteX18" fmla="*/ 10392636 w 10853928"/>
+              <a:gd name="connsiteY18" fmla="*/ 18288 h 18288"/>
+              <a:gd name="connsiteX19" fmla="*/ 9497187 w 10853928"/>
+              <a:gd name="connsiteY19" fmla="*/ 18288 h 18288"/>
+              <a:gd name="connsiteX20" fmla="*/ 8818817 w 10853928"/>
+              <a:gd name="connsiteY20" fmla="*/ 18288 h 18288"/>
+              <a:gd name="connsiteX21" fmla="*/ 8466064 w 10853928"/>
+              <a:gd name="connsiteY21" fmla="*/ 18288 h 18288"/>
+              <a:gd name="connsiteX22" fmla="*/ 7787693 w 10853928"/>
+              <a:gd name="connsiteY22" fmla="*/ 18288 h 18288"/>
+              <a:gd name="connsiteX23" fmla="*/ 7217862 w 10853928"/>
+              <a:gd name="connsiteY23" fmla="*/ 18288 h 18288"/>
+              <a:gd name="connsiteX24" fmla="*/ 6648031 w 10853928"/>
+              <a:gd name="connsiteY24" fmla="*/ 18288 h 18288"/>
+              <a:gd name="connsiteX25" fmla="*/ 6078200 w 10853928"/>
+              <a:gd name="connsiteY25" fmla="*/ 18288 h 18288"/>
+              <a:gd name="connsiteX26" fmla="*/ 5508368 w 10853928"/>
+              <a:gd name="connsiteY26" fmla="*/ 18288 h 18288"/>
+              <a:gd name="connsiteX27" fmla="*/ 4721459 w 10853928"/>
+              <a:gd name="connsiteY27" fmla="*/ 18288 h 18288"/>
+              <a:gd name="connsiteX28" fmla="*/ 4043088 w 10853928"/>
+              <a:gd name="connsiteY28" fmla="*/ 18288 h 18288"/>
+              <a:gd name="connsiteX29" fmla="*/ 3690336 w 10853928"/>
+              <a:gd name="connsiteY29" fmla="*/ 18288 h 18288"/>
+              <a:gd name="connsiteX30" fmla="*/ 3120504 w 10853928"/>
+              <a:gd name="connsiteY30" fmla="*/ 18288 h 18288"/>
+              <a:gd name="connsiteX31" fmla="*/ 2333595 w 10853928"/>
+              <a:gd name="connsiteY31" fmla="*/ 18288 h 18288"/>
+              <a:gd name="connsiteX32" fmla="*/ 1872303 w 10853928"/>
+              <a:gd name="connsiteY32" fmla="*/ 18288 h 18288"/>
+              <a:gd name="connsiteX33" fmla="*/ 976854 w 10853928"/>
+              <a:gd name="connsiteY33" fmla="*/ 18288 h 18288"/>
+              <a:gd name="connsiteX34" fmla="*/ 0 w 10853928"/>
+              <a:gd name="connsiteY34" fmla="*/ 18288 h 18288"/>
+              <a:gd name="connsiteX35" fmla="*/ 0 w 10853928"/>
+              <a:gd name="connsiteY35" fmla="*/ 0 h 18288"/>
+            </a:gdLst>
+            <a:ahLst/>
+            <a:cxnLst>
+              <a:cxn ang="0">
+                <a:pos x="connsiteX0" y="connsiteY0"/>
+              </a:cxn>
+              <a:cxn ang="0">
+                <a:pos x="connsiteX1" y="connsiteY1"/>
+              </a:cxn>
+              <a:cxn ang="0">
+                <a:pos x="connsiteX2" y="connsiteY2"/>
+              </a:cxn>
+              <a:cxn ang="0">
+                <a:pos x="connsiteX3" y="connsiteY3"/>
+              </a:cxn>
+              <a:cxn ang="0">
+                <a:pos x="connsiteX4" y="connsiteY4"/>
+              </a:cxn>
+              <a:cxn ang="0">
+                <a:pos x="connsiteX5" y="connsiteY5"/>
+              </a:cxn>
+              <a:cxn ang="0">
+                <a:pos x="connsiteX6" y="connsiteY6"/>
+              </a:cxn>
+              <a:cxn ang="0">
+                <a:pos x="connsiteX7" y="connsiteY7"/>
+              </a:cxn>
+              <a:cxn ang="0">
+                <a:pos x="connsiteX8" y="connsiteY8"/>
+              </a:cxn>
+              <a:cxn ang="0">
+                <a:pos x="connsiteX9" y="connsiteY9"/>
+              </a:cxn>
+              <a:cxn ang="0">
+                <a:pos x="connsiteX10" y="connsiteY10"/>
+              </a:cxn>
+              <a:cxn ang="0">
+                <a:pos x="connsiteX11" y="connsiteY11"/>
+              </a:cxn>
+              <a:cxn ang="0">
+                <a:pos x="connsiteX12" y="connsiteY12"/>
+              </a:cxn>
+              <a:cxn ang="0">
+                <a:pos x="connsiteX13" y="connsiteY13"/>
+              </a:cxn>
+              <a:cxn ang="0">
+                <a:pos x="connsiteX14" y="connsiteY14"/>
+              </a:cxn>
+              <a:cxn ang="0">
+                <a:pos x="connsiteX15" y="connsiteY15"/>
+              </a:cxn>
+              <a:cxn ang="0">
+                <a:pos x="connsiteX16" y="connsiteY16"/>
+              </a:cxn>
+              <a:cxn ang="0">
+                <a:pos x="connsiteX17" y="connsiteY17"/>
+              </a:cxn>
+              <a:cxn ang="0">
+                <a:pos x="connsiteX18" y="connsiteY18"/>
+              </a:cxn>
+              <a:cxn ang="0">
+                <a:pos x="connsiteX19" y="connsiteY19"/>
+              </a:cxn>
+              <a:cxn ang="0">
+                <a:pos x="connsiteX20" y="connsiteY20"/>
+              </a:cxn>
+              <a:cxn ang="0">
+                <a:pos x="connsiteX21" y="connsiteY21"/>
+              </a:cxn>
+              <a:cxn ang="0">
+                <a:pos x="connsiteX22" y="connsiteY22"/>
+              </a:cxn>
+              <a:cxn ang="0">
+                <a:pos x="connsiteX23" y="connsiteY23"/>
+              </a:cxn>
+              <a:cxn ang="0">
+                <a:pos x="connsiteX24" y="connsiteY24"/>
+              </a:cxn>
+              <a:cxn ang="0">
+                <a:pos x="connsiteX25" y="connsiteY25"/>
+              </a:cxn>
+              <a:cxn ang="0">
+                <a:pos x="connsiteX26" y="connsiteY26"/>
+              </a:cxn>
+              <a:cxn ang="0">
+                <a:pos x="connsiteX27" y="connsiteY27"/>
+              </a:cxn>
+              <a:cxn ang="0">
+                <a:pos x="connsiteX28" y="connsiteY28"/>
+              </a:cxn>
+              <a:cxn ang="0">
+                <a:pos x="connsiteX29" y="connsiteY29"/>
+              </a:cxn>
+              <a:cxn ang="0">
+                <a:pos x="connsiteX30" y="connsiteY30"/>
+              </a:cxn>
+              <a:cxn ang="0">
+                <a:pos x="connsiteX31" y="connsiteY31"/>
+              </a:cxn>
+              <a:cxn ang="0">
+                <a:pos x="connsiteX32" y="connsiteY32"/>
+              </a:cxn>
+              <a:cxn ang="0">
+                <a:pos x="connsiteX33" y="connsiteY33"/>
+              </a:cxn>
+              <a:cxn ang="0">
+                <a:pos x="connsiteX34" y="connsiteY34"/>
+              </a:cxn>
+              <a:cxn ang="0">
+                <a:pos x="connsiteX35" y="connsiteY35"/>
+              </a:cxn>
+            </a:cxnLst>
+            <a:rect l="l" t="t" r="r" b="b"/>
+            <a:pathLst>
+              <a:path w="10853928" h="18288" fill="none" extrusionOk="0">
+                <a:moveTo>
+                  <a:pt x="0" y="0"/>
+                </a:moveTo>
+                <a:cubicBezTo>
+                  <a:pt x="146993" y="-19076"/>
+                  <a:pt x="347684" y="-4790"/>
+                  <a:pt x="461292" y="0"/>
+                </a:cubicBezTo>
+                <a:cubicBezTo>
+                  <a:pt x="574900" y="4790"/>
+                  <a:pt x="808367" y="19821"/>
+                  <a:pt x="1139662" y="0"/>
+                </a:cubicBezTo>
+                <a:cubicBezTo>
+                  <a:pt x="1470957" y="-19821"/>
+                  <a:pt x="1627405" y="5721"/>
+                  <a:pt x="1926572" y="0"/>
+                </a:cubicBezTo>
+                <a:cubicBezTo>
+                  <a:pt x="2225739" y="-5721"/>
+                  <a:pt x="2137730" y="-3235"/>
+                  <a:pt x="2279325" y="0"/>
+                </a:cubicBezTo>
+                <a:cubicBezTo>
+                  <a:pt x="2420920" y="3235"/>
+                  <a:pt x="2456518" y="9685"/>
+                  <a:pt x="2632078" y="0"/>
+                </a:cubicBezTo>
+                <a:cubicBezTo>
+                  <a:pt x="2807638" y="-9685"/>
+                  <a:pt x="3211516" y="-43007"/>
+                  <a:pt x="3527527" y="0"/>
+                </a:cubicBezTo>
+                <a:cubicBezTo>
+                  <a:pt x="3843538" y="43007"/>
+                  <a:pt x="4058833" y="22042"/>
+                  <a:pt x="4205897" y="0"/>
+                </a:cubicBezTo>
+                <a:cubicBezTo>
+                  <a:pt x="4352961" y="-22042"/>
+                  <a:pt x="4474805" y="-11846"/>
+                  <a:pt x="4558650" y="0"/>
+                </a:cubicBezTo>
+                <a:cubicBezTo>
+                  <a:pt x="4642495" y="11846"/>
+                  <a:pt x="5041928" y="-6069"/>
+                  <a:pt x="5237020" y="0"/>
+                </a:cubicBezTo>
+                <a:cubicBezTo>
+                  <a:pt x="5432112" y="6069"/>
+                  <a:pt x="5943266" y="-17479"/>
+                  <a:pt x="6132469" y="0"/>
+                </a:cubicBezTo>
+                <a:cubicBezTo>
+                  <a:pt x="6321672" y="17479"/>
+                  <a:pt x="6483872" y="26234"/>
+                  <a:pt x="6702301" y="0"/>
+                </a:cubicBezTo>
+                <a:cubicBezTo>
+                  <a:pt x="6920730" y="-26234"/>
+                  <a:pt x="6991194" y="-15156"/>
+                  <a:pt x="7272132" y="0"/>
+                </a:cubicBezTo>
+                <a:cubicBezTo>
+                  <a:pt x="7553070" y="15156"/>
+                  <a:pt x="7684444" y="-32961"/>
+                  <a:pt x="7950502" y="0"/>
+                </a:cubicBezTo>
+                <a:cubicBezTo>
+                  <a:pt x="8216560" y="32961"/>
+                  <a:pt x="8493290" y="-10491"/>
+                  <a:pt x="8737412" y="0"/>
+                </a:cubicBezTo>
+                <a:cubicBezTo>
+                  <a:pt x="8981534" y="10491"/>
+                  <a:pt x="9191586" y="-13899"/>
+                  <a:pt x="9524322" y="0"/>
+                </a:cubicBezTo>
+                <a:cubicBezTo>
+                  <a:pt x="9857058" y="13899"/>
+                  <a:pt x="10297509" y="7485"/>
+                  <a:pt x="10853928" y="0"/>
+                </a:cubicBezTo>
+                <a:cubicBezTo>
+                  <a:pt x="10854574" y="4451"/>
+                  <a:pt x="10854418" y="9226"/>
+                  <a:pt x="10853928" y="18288"/>
+                </a:cubicBezTo>
+                <a:cubicBezTo>
+                  <a:pt x="10691638" y="28522"/>
+                  <a:pt x="10574319" y="29578"/>
+                  <a:pt x="10392636" y="18288"/>
+                </a:cubicBezTo>
+                <a:cubicBezTo>
+                  <a:pt x="10210953" y="6998"/>
+                  <a:pt x="9836277" y="-16742"/>
+                  <a:pt x="9497187" y="18288"/>
+                </a:cubicBezTo>
+                <a:cubicBezTo>
+                  <a:pt x="9158097" y="53318"/>
+                  <a:pt x="9119479" y="30714"/>
+                  <a:pt x="8818817" y="18288"/>
+                </a:cubicBezTo>
+                <a:cubicBezTo>
+                  <a:pt x="8518155" y="5863"/>
+                  <a:pt x="8640037" y="6483"/>
+                  <a:pt x="8466064" y="18288"/>
+                </a:cubicBezTo>
+                <a:cubicBezTo>
+                  <a:pt x="8292091" y="30093"/>
+                  <a:pt x="7997656" y="18914"/>
+                  <a:pt x="7787693" y="18288"/>
+                </a:cubicBezTo>
+                <a:cubicBezTo>
+                  <a:pt x="7577730" y="17662"/>
+                  <a:pt x="7412468" y="21416"/>
+                  <a:pt x="7217862" y="18288"/>
+                </a:cubicBezTo>
+                <a:cubicBezTo>
+                  <a:pt x="7023256" y="15160"/>
+                  <a:pt x="6898018" y="14824"/>
+                  <a:pt x="6648031" y="18288"/>
+                </a:cubicBezTo>
+                <a:cubicBezTo>
+                  <a:pt x="6398044" y="21752"/>
+                  <a:pt x="6254402" y="38625"/>
+                  <a:pt x="6078200" y="18288"/>
+                </a:cubicBezTo>
+                <a:cubicBezTo>
+                  <a:pt x="5901998" y="-2049"/>
+                  <a:pt x="5622886" y="3213"/>
+                  <a:pt x="5508368" y="18288"/>
+                </a:cubicBezTo>
+                <a:cubicBezTo>
+                  <a:pt x="5393850" y="33363"/>
+                  <a:pt x="5036260" y="26830"/>
+                  <a:pt x="4721459" y="18288"/>
+                </a:cubicBezTo>
+                <a:cubicBezTo>
+                  <a:pt x="4406658" y="9746"/>
+                  <a:pt x="4239221" y="41551"/>
+                  <a:pt x="4043088" y="18288"/>
+                </a:cubicBezTo>
+                <a:cubicBezTo>
+                  <a:pt x="3846955" y="-4975"/>
+                  <a:pt x="3818802" y="34658"/>
+                  <a:pt x="3690336" y="18288"/>
+                </a:cubicBezTo>
+                <a:cubicBezTo>
+                  <a:pt x="3561870" y="1918"/>
+                  <a:pt x="3265491" y="42194"/>
+                  <a:pt x="3120504" y="18288"/>
+                </a:cubicBezTo>
+                <a:cubicBezTo>
+                  <a:pt x="2975517" y="-5618"/>
+                  <a:pt x="2720254" y="36673"/>
+                  <a:pt x="2333595" y="18288"/>
+                </a:cubicBezTo>
+                <a:cubicBezTo>
+                  <a:pt x="1946936" y="-97"/>
+                  <a:pt x="2097241" y="5776"/>
+                  <a:pt x="1872303" y="18288"/>
+                </a:cubicBezTo>
+                <a:cubicBezTo>
+                  <a:pt x="1647365" y="30800"/>
+                  <a:pt x="1282708" y="45380"/>
+                  <a:pt x="976854" y="18288"/>
+                </a:cubicBezTo>
+                <a:cubicBezTo>
+                  <a:pt x="671000" y="-8804"/>
+                  <a:pt x="408401" y="-12775"/>
+                  <a:pt x="0" y="18288"/>
+                </a:cubicBezTo>
+                <a:cubicBezTo>
+                  <a:pt x="-213" y="9468"/>
+                  <a:pt x="187" y="4459"/>
+                  <a:pt x="0" y="0"/>
+                </a:cubicBezTo>
+                <a:close/>
+              </a:path>
+              <a:path w="10853928" h="18288" stroke="0" extrusionOk="0">
+                <a:moveTo>
+                  <a:pt x="0" y="0"/>
+                </a:moveTo>
+                <a:cubicBezTo>
+                  <a:pt x="267322" y="15284"/>
+                  <a:pt x="415388" y="-21048"/>
+                  <a:pt x="569831" y="0"/>
+                </a:cubicBezTo>
+                <a:cubicBezTo>
+                  <a:pt x="724274" y="21048"/>
+                  <a:pt x="769333" y="-2353"/>
+                  <a:pt x="922584" y="0"/>
+                </a:cubicBezTo>
+                <a:cubicBezTo>
+                  <a:pt x="1075835" y="2353"/>
+                  <a:pt x="1399490" y="-145"/>
+                  <a:pt x="1818033" y="0"/>
+                </a:cubicBezTo>
+                <a:cubicBezTo>
+                  <a:pt x="2236576" y="145"/>
+                  <a:pt x="2145330" y="5482"/>
+                  <a:pt x="2387864" y="0"/>
+                </a:cubicBezTo>
+                <a:cubicBezTo>
+                  <a:pt x="2630398" y="-5482"/>
+                  <a:pt x="2793207" y="18487"/>
+                  <a:pt x="2957695" y="0"/>
+                </a:cubicBezTo>
+                <a:cubicBezTo>
+                  <a:pt x="3122183" y="-18487"/>
+                  <a:pt x="3579141" y="19003"/>
+                  <a:pt x="3853144" y="0"/>
+                </a:cubicBezTo>
+                <a:cubicBezTo>
+                  <a:pt x="4127147" y="-19003"/>
+                  <a:pt x="4209857" y="12211"/>
+                  <a:pt x="4314436" y="0"/>
+                </a:cubicBezTo>
+                <a:cubicBezTo>
+                  <a:pt x="4419015" y="-12211"/>
+                  <a:pt x="4762459" y="-17220"/>
+                  <a:pt x="5209885" y="0"/>
+                </a:cubicBezTo>
+                <a:cubicBezTo>
+                  <a:pt x="5657311" y="17220"/>
+                  <a:pt x="5692663" y="-3290"/>
+                  <a:pt x="6105335" y="0"/>
+                </a:cubicBezTo>
+                <a:cubicBezTo>
+                  <a:pt x="6518007" y="3290"/>
+                  <a:pt x="6455516" y="-5124"/>
+                  <a:pt x="6783705" y="0"/>
+                </a:cubicBezTo>
+                <a:cubicBezTo>
+                  <a:pt x="7111894" y="5124"/>
+                  <a:pt x="7441941" y="-17829"/>
+                  <a:pt x="7679154" y="0"/>
+                </a:cubicBezTo>
+                <a:cubicBezTo>
+                  <a:pt x="7916367" y="17829"/>
+                  <a:pt x="8102967" y="-24363"/>
+                  <a:pt x="8248985" y="0"/>
+                </a:cubicBezTo>
+                <a:cubicBezTo>
+                  <a:pt x="8395003" y="24363"/>
+                  <a:pt x="8552393" y="25505"/>
+                  <a:pt x="8818817" y="0"/>
+                </a:cubicBezTo>
+                <a:cubicBezTo>
+                  <a:pt x="9085241" y="-25505"/>
+                  <a:pt x="9411308" y="38000"/>
+                  <a:pt x="9605726" y="0"/>
+                </a:cubicBezTo>
+                <a:cubicBezTo>
+                  <a:pt x="9800144" y="-38000"/>
+                  <a:pt x="10006468" y="-25741"/>
+                  <a:pt x="10175558" y="0"/>
+                </a:cubicBezTo>
+                <a:cubicBezTo>
+                  <a:pt x="10344648" y="25741"/>
+                  <a:pt x="10696282" y="695"/>
+                  <a:pt x="10853928" y="0"/>
+                </a:cubicBezTo>
+                <a:cubicBezTo>
+                  <a:pt x="10853521" y="8690"/>
+                  <a:pt x="10853774" y="14141"/>
+                  <a:pt x="10853928" y="18288"/>
+                </a:cubicBezTo>
+                <a:cubicBezTo>
+                  <a:pt x="10608124" y="24255"/>
+                  <a:pt x="10343415" y="22307"/>
+                  <a:pt x="10067018" y="18288"/>
+                </a:cubicBezTo>
+                <a:cubicBezTo>
+                  <a:pt x="9790621" y="14270"/>
+                  <a:pt x="9843266" y="3564"/>
+                  <a:pt x="9714266" y="18288"/>
+                </a:cubicBezTo>
+                <a:cubicBezTo>
+                  <a:pt x="9585266" y="33012"/>
+                  <a:pt x="9379484" y="1875"/>
+                  <a:pt x="9252974" y="18288"/>
+                </a:cubicBezTo>
+                <a:cubicBezTo>
+                  <a:pt x="9126464" y="34701"/>
+                  <a:pt x="8580678" y="-4904"/>
+                  <a:pt x="8357525" y="18288"/>
+                </a:cubicBezTo>
+                <a:cubicBezTo>
+                  <a:pt x="8134372" y="41480"/>
+                  <a:pt x="7903199" y="26458"/>
+                  <a:pt x="7679154" y="18288"/>
+                </a:cubicBezTo>
+                <a:cubicBezTo>
+                  <a:pt x="7455109" y="10118"/>
+                  <a:pt x="7435944" y="27109"/>
+                  <a:pt x="7217862" y="18288"/>
+                </a:cubicBezTo>
+                <a:cubicBezTo>
+                  <a:pt x="6999780" y="9467"/>
+                  <a:pt x="6680409" y="18985"/>
+                  <a:pt x="6539492" y="18288"/>
+                </a:cubicBezTo>
+                <a:cubicBezTo>
+                  <a:pt x="6398575" y="17592"/>
+                  <a:pt x="6312077" y="33018"/>
+                  <a:pt x="6186739" y="18288"/>
+                </a:cubicBezTo>
+                <a:cubicBezTo>
+                  <a:pt x="6061401" y="3558"/>
+                  <a:pt x="5947033" y="12075"/>
+                  <a:pt x="5833986" y="18288"/>
+                </a:cubicBezTo>
+                <a:cubicBezTo>
+                  <a:pt x="5720939" y="24501"/>
+                  <a:pt x="5482226" y="8586"/>
+                  <a:pt x="5155616" y="18288"/>
+                </a:cubicBezTo>
+                <a:cubicBezTo>
+                  <a:pt x="4829006" y="27991"/>
+                  <a:pt x="4841274" y="29316"/>
+                  <a:pt x="4694324" y="18288"/>
+                </a:cubicBezTo>
+                <a:cubicBezTo>
+                  <a:pt x="4547374" y="7260"/>
+                  <a:pt x="4077675" y="7013"/>
+                  <a:pt x="3907414" y="18288"/>
+                </a:cubicBezTo>
+                <a:cubicBezTo>
+                  <a:pt x="3737153" y="29564"/>
+                  <a:pt x="3538393" y="21630"/>
+                  <a:pt x="3446122" y="18288"/>
+                </a:cubicBezTo>
+                <a:cubicBezTo>
+                  <a:pt x="3353851" y="14946"/>
+                  <a:pt x="2990320" y="-8091"/>
+                  <a:pt x="2659212" y="18288"/>
+                </a:cubicBezTo>
+                <a:cubicBezTo>
+                  <a:pt x="2328104" y="44667"/>
+                  <a:pt x="2427653" y="9607"/>
+                  <a:pt x="2306460" y="18288"/>
+                </a:cubicBezTo>
+                <a:cubicBezTo>
+                  <a:pt x="2185267" y="26969"/>
+                  <a:pt x="1719763" y="3717"/>
+                  <a:pt x="1519550" y="18288"/>
+                </a:cubicBezTo>
+                <a:cubicBezTo>
+                  <a:pt x="1319337" y="32860"/>
+                  <a:pt x="1167371" y="17040"/>
+                  <a:pt x="1058258" y="18288"/>
+                </a:cubicBezTo>
+                <a:cubicBezTo>
+                  <a:pt x="949145" y="19536"/>
+                  <a:pt x="780234" y="31447"/>
+                  <a:pt x="705505" y="18288"/>
+                </a:cubicBezTo>
+                <a:cubicBezTo>
+                  <a:pt x="630776" y="5129"/>
+                  <a:pt x="215796" y="30056"/>
+                  <a:pt x="0" y="18288"/>
+                </a:cubicBezTo>
+                <a:cubicBezTo>
+                  <a:pt x="-53" y="11301"/>
+                  <a:pt x="-649" y="7756"/>
+                  <a:pt x="0" y="0"/>
+                </a:cubicBezTo>
+                <a:close/>
+              </a:path>
+            </a:pathLst>
+          </a:custGeom>
+          <a:solidFill>
+            <a:schemeClr val="accent2"/>
+          </a:solidFill>
+          <a:ln w="41275" cap="rnd">
+            <a:solidFill>
+              <a:schemeClr val="accent2"/>
+            </a:solidFill>
+            <a:round/>
+            <a:extLst>
+              <a:ext uri="{C807C97D-BFC1-408E-A445-0C87EB9F89A2}">
+                <ask:lineSketchStyleProps xmlns:ask="http://schemas.microsoft.com/office/drawing/2018/sketchyshapes" sd="1219033472">
+                  <a:prstGeom prst="rect">
+                    <a:avLst/>
+                  </a:prstGeom>
+                  <ask:type>
+                    <ask:lineSketchFreehand/>
+                  </ask:type>
+                </ask:lineSketchStyleProps>
+              </a:ext>
+            </a:extLst>
+          </a:ln>
+        </p:spPr>
+        <p:style>
+          <a:lnRef idx="2">
+            <a:schemeClr val="accent1">
+              <a:shade val="50000"/>
+            </a:schemeClr>
+          </a:lnRef>
+          <a:fillRef idx="1">
+            <a:schemeClr val="accent1"/>
+          </a:fillRef>
+          <a:effectRef idx="0">
+            <a:schemeClr val="accent1"/>
+          </a:effectRef>
+          <a:fontRef idx="minor">
+            <a:schemeClr val="lt1"/>
+          </a:fontRef>
+        </p:style>
+        <p:txBody>
+          <a:bodyPr rtlCol="0" anchor="ctr"/>
+          <a:lstStyle/>
+          <a:p>
+            <a:pPr algn="ctr"/>
+            <a:endParaRPr lang="en-US"/>
+          </a:p>
+        </p:txBody>
+      </p:sp>
+      <p:sp>
+        <p:nvSpPr>
+          <p:cNvPr id="3" name="Content Placeholder 2">
+            <a:extLst>
+              <a:ext uri="{FF2B5EF4-FFF2-40B4-BE49-F238E27FC236}">
+                <a16:creationId xmlns:a16="http://schemas.microsoft.com/office/drawing/2014/main" id="{84AC8A7E-7615-7C32-8343-550DBA724594}"/>
+              </a:ext>
+            </a:extLst>
+          </p:cNvPr>
+          <p:cNvSpPr>
+            <a:spLocks noGrp="1"/>
+          </p:cNvSpPr>
+          <p:nvPr>
+            <p:ph idx="1"/>
+          </p:nvPr>
+        </p:nvSpPr>
+        <p:spPr>
+          <a:xfrm>
+            <a:off x="838200" y="1929384"/>
+            <a:ext cx="10515600" cy="4251960"/>
+          </a:xfrm>
+        </p:spPr>
+        <p:txBody>
+          <a:bodyPr>
+            <a:normAutofit/>
+          </a:bodyPr>
+          <a:lstStyle/>
+          <a:p>
+            <a:r>
+              <a:rPr lang="en-GB" sz="1500"/>
+              <a:t>Information about an EC2 instance (e.g., hostname, instance type, network settings, …) </a:t>
+            </a:r>
+          </a:p>
+          <a:p>
+            <a:r>
+              <a:rPr lang="en-GB" sz="1500"/>
+              <a:t>Can be accessed from within the EC2 instance itself by making a request to the EC2 metadata service endpoint http://169.254.169.254/latest/meta-data  </a:t>
+            </a:r>
+          </a:p>
+          <a:p>
+            <a:r>
+              <a:rPr lang="en-GB" sz="1500"/>
+              <a:t>Can be accessed using EC2 API or CLI tools (e.g., curl or wget) </a:t>
+            </a:r>
+          </a:p>
+          <a:p>
+            <a:r>
+              <a:rPr lang="en-GB" sz="1500"/>
+              <a:t>Metadata is stored in key-value pairs</a:t>
+            </a:r>
+          </a:p>
+          <a:p>
+            <a:r>
+              <a:rPr lang="en-GB" sz="1500"/>
+              <a:t>Useful for automating tasks such as setting up an instance's hostname, configuring networking, or installing software</a:t>
+            </a:r>
+          </a:p>
+          <a:p>
+            <a:r>
+              <a:rPr lang="en-GB" sz="1500"/>
+              <a:t>Examples:</a:t>
+            </a:r>
+          </a:p>
+          <a:p>
+            <a:pPr lvl="1"/>
+            <a:r>
+              <a:rPr lang="en-GB" sz="1500"/>
+              <a:t>ami-id, block-device-mapping/, instance-id, instance-type, network/ </a:t>
+            </a:r>
+          </a:p>
+          <a:p>
+            <a:pPr lvl="1"/>
+            <a:r>
+              <a:rPr lang="en-GB" sz="1500"/>
+              <a:t>hostname, local-hostname, local-ipv4, public-hostname, public-ipv4 </a:t>
+            </a:r>
+          </a:p>
+          <a:p>
+            <a:pPr lvl="1"/>
+            <a:r>
+              <a:rPr lang="en-GB" sz="1500"/>
+              <a:t>Iam – InstanceProfileArn, InstanceId </a:t>
+            </a:r>
+          </a:p>
+          <a:p>
+            <a:pPr lvl="1"/>
+            <a:r>
+              <a:rPr lang="en-GB" sz="1500"/>
+              <a:t>iam/security-credentials/role-name – temporary credentials for the role attached to your instance </a:t>
+            </a:r>
+          </a:p>
+          <a:p>
+            <a:pPr lvl="1"/>
+            <a:r>
+              <a:rPr lang="en-GB" sz="1500"/>
+              <a:t>placement/ – launch Region, launch AZ, placement group name…  </a:t>
+            </a:r>
+          </a:p>
+          <a:p>
+            <a:pPr lvl="1"/>
+            <a:r>
+              <a:rPr lang="en-GB" sz="1500"/>
+              <a:t>security-groups – names of security groups </a:t>
+            </a:r>
+          </a:p>
+          <a:p>
+            <a:pPr lvl="1"/>
+            <a:r>
+              <a:rPr lang="en-GB" sz="1500"/>
+              <a:t>tags/instance – tags attached to the instance</a:t>
+            </a:r>
+            <a:endParaRPr lang="en-CH" sz="1500"/>
+          </a:p>
+        </p:txBody>
+      </p:sp>
+    </p:spTree>
+    <p:extLst>
+      <p:ext uri="{BB962C8B-B14F-4D97-AF65-F5344CB8AC3E}">
+        <p14:creationId xmlns:p14="http://schemas.microsoft.com/office/powerpoint/2010/main" val="1534811099"/>
       </p:ext>
     </p:extLst>
   </p:cSld>
